--- a/MSSQL.E02/MSSQL.E02.pptx
+++ b/MSSQL.E02/MSSQL.E02.pptx
@@ -20,33 +20,33 @@
     <p:sldId id="580" r:id="rId11"/>
     <p:sldId id="581" r:id="rId12"/>
     <p:sldId id="582" r:id="rId13"/>
-    <p:sldId id="583" r:id="rId14"/>
-    <p:sldId id="584" r:id="rId15"/>
-    <p:sldId id="585" r:id="rId16"/>
-    <p:sldId id="586" r:id="rId17"/>
-    <p:sldId id="587" r:id="rId18"/>
-    <p:sldId id="588" r:id="rId19"/>
-    <p:sldId id="589" r:id="rId20"/>
-    <p:sldId id="597" r:id="rId21"/>
-    <p:sldId id="594" r:id="rId22"/>
-    <p:sldId id="523" r:id="rId23"/>
-    <p:sldId id="526" r:id="rId24"/>
-    <p:sldId id="525" r:id="rId25"/>
-    <p:sldId id="558" r:id="rId26"/>
-    <p:sldId id="549" r:id="rId27"/>
-    <p:sldId id="528" r:id="rId28"/>
-    <p:sldId id="559" r:id="rId29"/>
-    <p:sldId id="560" r:id="rId30"/>
-    <p:sldId id="529" r:id="rId31"/>
-    <p:sldId id="530" r:id="rId32"/>
-    <p:sldId id="531" r:id="rId33"/>
-    <p:sldId id="532" r:id="rId34"/>
-    <p:sldId id="533" r:id="rId35"/>
-    <p:sldId id="561" r:id="rId36"/>
-    <p:sldId id="596" r:id="rId37"/>
-    <p:sldId id="555" r:id="rId38"/>
-    <p:sldId id="595" r:id="rId39"/>
-    <p:sldId id="593" r:id="rId40"/>
+    <p:sldId id="584" r:id="rId14"/>
+    <p:sldId id="585" r:id="rId15"/>
+    <p:sldId id="586" r:id="rId16"/>
+    <p:sldId id="587" r:id="rId17"/>
+    <p:sldId id="588" r:id="rId18"/>
+    <p:sldId id="589" r:id="rId19"/>
+    <p:sldId id="597" r:id="rId20"/>
+    <p:sldId id="594" r:id="rId21"/>
+    <p:sldId id="523" r:id="rId22"/>
+    <p:sldId id="526" r:id="rId23"/>
+    <p:sldId id="525" r:id="rId24"/>
+    <p:sldId id="558" r:id="rId25"/>
+    <p:sldId id="549" r:id="rId26"/>
+    <p:sldId id="528" r:id="rId27"/>
+    <p:sldId id="559" r:id="rId28"/>
+    <p:sldId id="560" r:id="rId29"/>
+    <p:sldId id="529" r:id="rId30"/>
+    <p:sldId id="530" r:id="rId31"/>
+    <p:sldId id="531" r:id="rId32"/>
+    <p:sldId id="532" r:id="rId33"/>
+    <p:sldId id="533" r:id="rId34"/>
+    <p:sldId id="561" r:id="rId35"/>
+    <p:sldId id="596" r:id="rId36"/>
+    <p:sldId id="555" r:id="rId37"/>
+    <p:sldId id="595" r:id="rId38"/>
+    <p:sldId id="593" r:id="rId39"/>
+    <p:sldId id="598" r:id="rId40"/>
   </p:sldIdLst>
   <p:sldSz cx="9144000" cy="5143500" type="screen16x9"/>
   <p:notesSz cx="6858000" cy="9144000"/>
@@ -413,7 +413,7 @@
           <a:p>
             <a:fld id="{7F5E9BF7-95E4-A242-BA1D-05FDCF603BE6}" type="datetime1">
               <a:rPr lang="en-US" smtClean="0"/>
-              <a:t>9/26/2021</a:t>
+              <a:t>11/14/2021</a:t>
             </a:fld>
             <a:endParaRPr lang="en-US"/>
           </a:p>
@@ -579,7 +579,7 @@
           <a:p>
             <a:fld id="{165DBCB1-0306-AD41-9452-11E7C08D5C04}" type="datetime1">
               <a:rPr lang="en-US" smtClean="0"/>
-              <a:t>9/26/2021</a:t>
+              <a:t>11/14/2021</a:t>
             </a:fld>
             <a:endParaRPr lang="en-US"/>
           </a:p>
@@ -1018,7 +1018,7 @@
           <a:p>
             <a:fld id="{7AE90029-A909-AD4E-9775-A0D64990AD22}" type="slidenum">
               <a:rPr lang="en-US" smtClean="0"/>
-              <a:t>11</a:t>
+              <a:t>12</a:t>
             </a:fld>
             <a:endParaRPr lang="en-US"/>
           </a:p>
@@ -1027,7 +1027,7 @@
     </p:spTree>
     <p:extLst>
       <p:ext uri="{BB962C8B-B14F-4D97-AF65-F5344CB8AC3E}">
-        <p14:creationId xmlns:p14="http://schemas.microsoft.com/office/powerpoint/2010/main" val="798856709"/>
+        <p14:creationId xmlns:p14="http://schemas.microsoft.com/office/powerpoint/2010/main" val="2733313027"/>
       </p:ext>
     </p:extLst>
   </p:cSld>
@@ -1133,7 +1133,7 @@
     </p:spTree>
     <p:extLst>
       <p:ext uri="{BB962C8B-B14F-4D97-AF65-F5344CB8AC3E}">
-        <p14:creationId xmlns:p14="http://schemas.microsoft.com/office/powerpoint/2010/main" val="2733313027"/>
+        <p14:creationId xmlns:p14="http://schemas.microsoft.com/office/powerpoint/2010/main" val="1765392226"/>
       </p:ext>
     </p:extLst>
   </p:cSld>
@@ -1239,7 +1239,7 @@
     </p:spTree>
     <p:extLst>
       <p:ext uri="{BB962C8B-B14F-4D97-AF65-F5344CB8AC3E}">
-        <p14:creationId xmlns:p14="http://schemas.microsoft.com/office/powerpoint/2010/main" val="1765392226"/>
+        <p14:creationId xmlns:p14="http://schemas.microsoft.com/office/powerpoint/2010/main" val="3437468110"/>
       </p:ext>
     </p:extLst>
   </p:cSld>
@@ -1336,7 +1336,7 @@
           <a:p>
             <a:fld id="{7AE90029-A909-AD4E-9775-A0D64990AD22}" type="slidenum">
               <a:rPr lang="en-US" smtClean="0"/>
-              <a:t>15</a:t>
+              <a:t>16</a:t>
             </a:fld>
             <a:endParaRPr lang="en-US"/>
           </a:p>
@@ -1345,7 +1345,7 @@
     </p:spTree>
     <p:extLst>
       <p:ext uri="{BB962C8B-B14F-4D97-AF65-F5344CB8AC3E}">
-        <p14:creationId xmlns:p14="http://schemas.microsoft.com/office/powerpoint/2010/main" val="3437468110"/>
+        <p14:creationId xmlns:p14="http://schemas.microsoft.com/office/powerpoint/2010/main" val="145424937"/>
       </p:ext>
     </p:extLst>
   </p:cSld>
@@ -1451,7 +1451,7 @@
     </p:spTree>
     <p:extLst>
       <p:ext uri="{BB962C8B-B14F-4D97-AF65-F5344CB8AC3E}">
-        <p14:creationId xmlns:p14="http://schemas.microsoft.com/office/powerpoint/2010/main" val="145424937"/>
+        <p14:creationId xmlns:p14="http://schemas.microsoft.com/office/powerpoint/2010/main" val="2905102692"/>
       </p:ext>
     </p:extLst>
   </p:cSld>
@@ -1557,7 +1557,7 @@
     </p:spTree>
     <p:extLst>
       <p:ext uri="{BB962C8B-B14F-4D97-AF65-F5344CB8AC3E}">
-        <p14:creationId xmlns:p14="http://schemas.microsoft.com/office/powerpoint/2010/main" val="2905102692"/>
+        <p14:creationId xmlns:p14="http://schemas.microsoft.com/office/powerpoint/2010/main" val="919292877"/>
       </p:ext>
     </p:extLst>
   </p:cSld>
@@ -1654,7 +1654,7 @@
           <a:p>
             <a:fld id="{7AE90029-A909-AD4E-9775-A0D64990AD22}" type="slidenum">
               <a:rPr lang="en-US" smtClean="0"/>
-              <a:t>19</a:t>
+              <a:t>20</a:t>
             </a:fld>
             <a:endParaRPr lang="en-US"/>
           </a:p>
@@ -1663,7 +1663,7 @@
     </p:spTree>
     <p:extLst>
       <p:ext uri="{BB962C8B-B14F-4D97-AF65-F5344CB8AC3E}">
-        <p14:creationId xmlns:p14="http://schemas.microsoft.com/office/powerpoint/2010/main" val="919292877"/>
+        <p14:creationId xmlns:p14="http://schemas.microsoft.com/office/powerpoint/2010/main" val="437985429"/>
       </p:ext>
     </p:extLst>
   </p:cSld>
@@ -1769,7 +1769,7 @@
     </p:spTree>
     <p:extLst>
       <p:ext uri="{BB962C8B-B14F-4D97-AF65-F5344CB8AC3E}">
-        <p14:creationId xmlns:p14="http://schemas.microsoft.com/office/powerpoint/2010/main" val="437985429"/>
+        <p14:creationId xmlns:p14="http://schemas.microsoft.com/office/powerpoint/2010/main" val="3546846490"/>
       </p:ext>
     </p:extLst>
   </p:cSld>
@@ -1866,7 +1866,7 @@
           <a:p>
             <a:fld id="{7AE90029-A909-AD4E-9775-A0D64990AD22}" type="slidenum">
               <a:rPr lang="en-US" smtClean="0"/>
-              <a:t>22</a:t>
+              <a:t>24</a:t>
             </a:fld>
             <a:endParaRPr lang="en-US"/>
           </a:p>
@@ -1875,7 +1875,7 @@
     </p:spTree>
     <p:extLst>
       <p:ext uri="{BB962C8B-B14F-4D97-AF65-F5344CB8AC3E}">
-        <p14:creationId xmlns:p14="http://schemas.microsoft.com/office/powerpoint/2010/main" val="3546846490"/>
+        <p14:creationId xmlns:p14="http://schemas.microsoft.com/office/powerpoint/2010/main" val="116406159"/>
       </p:ext>
     </p:extLst>
   </p:cSld>
@@ -1981,7 +1981,7 @@
     </p:spTree>
     <p:extLst>
       <p:ext uri="{BB962C8B-B14F-4D97-AF65-F5344CB8AC3E}">
-        <p14:creationId xmlns:p14="http://schemas.microsoft.com/office/powerpoint/2010/main" val="116406159"/>
+        <p14:creationId xmlns:p14="http://schemas.microsoft.com/office/powerpoint/2010/main" val="1042750145"/>
       </p:ext>
     </p:extLst>
   </p:cSld>
@@ -2193,7 +2193,7 @@
     </p:spTree>
     <p:extLst>
       <p:ext uri="{BB962C8B-B14F-4D97-AF65-F5344CB8AC3E}">
-        <p14:creationId xmlns:p14="http://schemas.microsoft.com/office/powerpoint/2010/main" val="1042750145"/>
+        <p14:creationId xmlns:p14="http://schemas.microsoft.com/office/powerpoint/2010/main" val="4044962052"/>
       </p:ext>
     </p:extLst>
   </p:cSld>
@@ -2299,7 +2299,7 @@
     </p:spTree>
     <p:extLst>
       <p:ext uri="{BB962C8B-B14F-4D97-AF65-F5344CB8AC3E}">
-        <p14:creationId xmlns:p14="http://schemas.microsoft.com/office/powerpoint/2010/main" val="4044962052"/>
+        <p14:creationId xmlns:p14="http://schemas.microsoft.com/office/powerpoint/2010/main" val="3351843746"/>
       </p:ext>
     </p:extLst>
   </p:cSld>
@@ -2405,7 +2405,7 @@
     </p:spTree>
     <p:extLst>
       <p:ext uri="{BB962C8B-B14F-4D97-AF65-F5344CB8AC3E}">
-        <p14:creationId xmlns:p14="http://schemas.microsoft.com/office/powerpoint/2010/main" val="3351843746"/>
+        <p14:creationId xmlns:p14="http://schemas.microsoft.com/office/powerpoint/2010/main" val="768374070"/>
       </p:ext>
     </p:extLst>
   </p:cSld>
@@ -2481,7 +2481,7 @@
               <a:tabLst/>
               <a:defRPr/>
             </a:pPr>
-            <a:endParaRPr lang="en-US"/>
+            <a:endParaRPr lang="en-US" dirty="0"/>
           </a:p>
         </p:txBody>
       </p:sp>
@@ -2502,113 +2502,7 @@
           <a:p>
             <a:fld id="{7AE90029-A909-AD4E-9775-A0D64990AD22}" type="slidenum">
               <a:rPr lang="en-US" smtClean="0"/>
-              <a:t>29</a:t>
-            </a:fld>
-            <a:endParaRPr lang="en-US"/>
-          </a:p>
-        </p:txBody>
-      </p:sp>
-    </p:spTree>
-    <p:extLst>
-      <p:ext uri="{BB962C8B-B14F-4D97-AF65-F5344CB8AC3E}">
-        <p14:creationId xmlns:p14="http://schemas.microsoft.com/office/powerpoint/2010/main" val="768374070"/>
-      </p:ext>
-    </p:extLst>
-  </p:cSld>
-  <p:clrMapOvr>
-    <a:masterClrMapping/>
-  </p:clrMapOvr>
-</p:notes>
-</file>
-
-<file path=ppt/notesSlides/notesSlide24.xml><?xml version="1.0" encoding="utf-8"?>
-<p:notes xmlns:a="http://schemas.openxmlformats.org/drawingml/2006/main" xmlns:r="http://schemas.openxmlformats.org/officeDocument/2006/relationships" xmlns:p="http://schemas.openxmlformats.org/presentationml/2006/main">
-  <p:cSld>
-    <p:spTree>
-      <p:nvGrpSpPr>
-        <p:cNvPr id="1" name=""/>
-        <p:cNvGrpSpPr/>
-        <p:nvPr/>
-      </p:nvGrpSpPr>
-      <p:grpSpPr>
-        <a:xfrm>
-          <a:off x="0" y="0"/>
-          <a:ext cx="0" cy="0"/>
-          <a:chOff x="0" y="0"/>
-          <a:chExt cx="0" cy="0"/>
-        </a:xfrm>
-      </p:grpSpPr>
-      <p:sp>
-        <p:nvSpPr>
-          <p:cNvPr id="2" name="Slide Image Placeholder 1"/>
-          <p:cNvSpPr>
-            <a:spLocks noGrp="1" noRot="1" noChangeAspect="1"/>
-          </p:cNvSpPr>
-          <p:nvPr>
-            <p:ph type="sldImg"/>
-          </p:nvPr>
-        </p:nvSpPr>
-        <p:spPr>
-          <a:xfrm>
-            <a:off x="381000" y="685800"/>
-            <a:ext cx="6096000" cy="3429000"/>
-          </a:xfrm>
-        </p:spPr>
-      </p:sp>
-      <p:sp>
-        <p:nvSpPr>
-          <p:cNvPr id="3" name="Notes Placeholder 2"/>
-          <p:cNvSpPr>
-            <a:spLocks noGrp="1"/>
-          </p:cNvSpPr>
-          <p:nvPr>
-            <p:ph type="body" idx="1"/>
-          </p:nvPr>
-        </p:nvSpPr>
-        <p:spPr/>
-        <p:txBody>
-          <a:bodyPr/>
-          <a:lstStyle/>
-          <a:p>
-            <a:pPr marL="0" marR="0" indent="0" algn="l" defTabSz="914400" rtl="0" eaLnBrk="1" fontAlgn="auto" latinLnBrk="0" hangingPunct="1">
-              <a:lnSpc>
-                <a:spcPct val="100000"/>
-              </a:lnSpc>
-              <a:spcBef>
-                <a:spcPts val="0"/>
-              </a:spcBef>
-              <a:spcAft>
-                <a:spcPts val="0"/>
-              </a:spcAft>
-              <a:buClrTx/>
-              <a:buSzTx/>
-              <a:buFontTx/>
-              <a:buNone/>
-              <a:tabLst/>
-              <a:defRPr/>
-            </a:pPr>
-            <a:endParaRPr lang="en-US" dirty="0"/>
-          </a:p>
-        </p:txBody>
-      </p:sp>
-      <p:sp>
-        <p:nvSpPr>
-          <p:cNvPr id="4" name="Slide Number Placeholder 3"/>
-          <p:cNvSpPr>
-            <a:spLocks noGrp="1"/>
-          </p:cNvSpPr>
-          <p:nvPr>
-            <p:ph type="sldNum" sz="quarter" idx="10"/>
-          </p:nvPr>
-        </p:nvSpPr>
-        <p:spPr/>
-        <p:txBody>
-          <a:bodyPr/>
-          <a:lstStyle/>
-          <a:p>
-            <a:fld id="{7AE90029-A909-AD4E-9775-A0D64990AD22}" type="slidenum">
-              <a:rPr lang="en-US" smtClean="0"/>
-              <a:t>32</a:t>
+              <a:t>31</a:t>
             </a:fld>
             <a:endParaRPr lang="en-US"/>
           </a:p>
@@ -3103,7 +2997,7 @@
     </p:spTree>
     <p:extLst>
       <p:ext uri="{BB962C8B-B14F-4D97-AF65-F5344CB8AC3E}">
-        <p14:creationId xmlns:p14="http://schemas.microsoft.com/office/powerpoint/2010/main" val="1424556051"/>
+        <p14:creationId xmlns:p14="http://schemas.microsoft.com/office/powerpoint/2010/main" val="103964861"/>
       </p:ext>
     </p:extLst>
   </p:cSld>
@@ -3209,7 +3103,7 @@
     </p:spTree>
     <p:extLst>
       <p:ext uri="{BB962C8B-B14F-4D97-AF65-F5344CB8AC3E}">
-        <p14:creationId xmlns:p14="http://schemas.microsoft.com/office/powerpoint/2010/main" val="103964861"/>
+        <p14:creationId xmlns:p14="http://schemas.microsoft.com/office/powerpoint/2010/main" val="456266295"/>
       </p:ext>
     </p:extLst>
   </p:cSld>
@@ -3315,7 +3209,7 @@
     </p:spTree>
     <p:extLst>
       <p:ext uri="{BB962C8B-B14F-4D97-AF65-F5344CB8AC3E}">
-        <p14:creationId xmlns:p14="http://schemas.microsoft.com/office/powerpoint/2010/main" val="456266295"/>
+        <p14:creationId xmlns:p14="http://schemas.microsoft.com/office/powerpoint/2010/main" val="798856709"/>
       </p:ext>
     </p:extLst>
   </p:cSld>
@@ -13486,7 +13380,7 @@
           </a:ln>
           <a:extLst>
             <a:ext uri="{C572A759-6A51-4108-AA02-DFA0A04FC94B}">
-              <ma14:wrappingTextBoxFlag xmlns="" xmlns:ma14="http://schemas.microsoft.com/office/mac/drawingml/2011/main" val="1"/>
+              <ma14:wrappingTextBoxFlag xmlns:ma14="http://schemas.microsoft.com/office/mac/drawingml/2011/main" xmlns="" val="1"/>
             </a:ext>
           </a:extLst>
         </p:spPr>
@@ -25442,7 +25336,7 @@
           <a:p>
             <a:r>
               <a:rPr lang="en-US" dirty="0"/>
-              <a:t>November 14, 2021</a:t>
+              <a:t>November 16, 2021</a:t>
             </a:r>
           </a:p>
         </p:txBody>
@@ -25581,88 +25475,7 @@
       </p:grpSpPr>
       <p:sp>
         <p:nvSpPr>
-          <p:cNvPr id="8" name="TextBox 7"/>
-          <p:cNvSpPr txBox="1"/>
-          <p:nvPr/>
-        </p:nvSpPr>
-        <p:spPr>
-          <a:xfrm>
-            <a:off x="3316182" y="2236704"/>
-            <a:ext cx="1950959" cy="1147198"/>
-          </a:xfrm>
-          <a:prstGeom prst="rect">
-            <a:avLst/>
-          </a:prstGeom>
-          <a:noFill/>
-        </p:spPr>
-        <p:txBody>
-          <a:bodyPr wrap="none" rtlCol="0">
-            <a:noAutofit/>
-          </a:bodyPr>
-          <a:lstStyle/>
-          <a:p>
-            <a:pPr algn="ctr"/>
-            <a:r>
-              <a:rPr lang="en-US" sz="3200" b="1">
-                <a:solidFill>
-                  <a:srgbClr val="FFFFFF"/>
-                </a:solidFill>
-                <a:latin typeface="Arial Black"/>
-                <a:cs typeface="Arial Black"/>
-              </a:rPr>
-              <a:t>DEMO</a:t>
-            </a:r>
-          </a:p>
-          <a:p>
-            <a:pPr algn="ctr">
-              <a:lnSpc>
-                <a:spcPct val="130000"/>
-              </a:lnSpc>
-            </a:pPr>
-            <a:r>
-              <a:rPr lang="en-US" sz="1100">
-                <a:solidFill>
-                  <a:srgbClr val="FFFFFF"/>
-                </a:solidFill>
-                <a:latin typeface="Arial Black"/>
-                <a:cs typeface="Arial Black"/>
-              </a:rPr>
-              <a:t> </a:t>
-            </a:r>
-          </a:p>
-          <a:p>
-            <a:pPr algn="ctr"/>
-            <a:br>
-              <a:rPr lang="en-US" sz="800">
-                <a:solidFill>
-                  <a:srgbClr val="FFFFFF"/>
-                </a:solidFill>
-                <a:latin typeface="Arial"/>
-                <a:cs typeface="Arial"/>
-              </a:rPr>
-            </a:br>
-            <a:br>
-              <a:rPr lang="en-US" sz="800">
-                <a:solidFill>
-                  <a:srgbClr val="FFFFFF"/>
-                </a:solidFill>
-                <a:latin typeface="Arial"/>
-                <a:cs typeface="Arial"/>
-              </a:rPr>
-            </a:br>
-            <a:endParaRPr lang="en-US" sz="800">
-              <a:solidFill>
-                <a:srgbClr val="FFFFFF"/>
-              </a:solidFill>
-              <a:latin typeface="Arial"/>
-              <a:cs typeface="Arial"/>
-            </a:endParaRPr>
-          </a:p>
-        </p:txBody>
-      </p:sp>
-      <p:sp>
-        <p:nvSpPr>
-          <p:cNvPr id="7" name="Content Placeholder 2"/>
+          <p:cNvPr id="11" name="Content Placeholder 2"/>
           <p:cNvSpPr txBox="1">
             <a:spLocks/>
           </p:cNvSpPr>
@@ -25670,8 +25483,8 @@
         </p:nvSpPr>
         <p:spPr>
           <a:xfrm>
-            <a:off x="236117" y="1485900"/>
-            <a:ext cx="3931920" cy="3657600"/>
+            <a:off x="357187" y="1421468"/>
+            <a:ext cx="3931920" cy="3244195"/>
           </a:xfrm>
           <a:prstGeom prst="rect">
             <a:avLst/>
@@ -25834,8 +25647,105 @@
             </a:pPr>
             <a:r>
               <a:rPr lang="en-US" dirty="0"/>
-              <a:t>For human </a:t>
-            </a:r>
+              <a:t>In T-SQL Query</a:t>
+            </a:r>
+          </a:p>
+          <a:p>
+            <a:pPr marL="0" indent="0">
+              <a:buNone/>
+            </a:pPr>
+            <a:r>
+              <a:rPr lang="en-US" sz="2000" dirty="0"/>
+              <a:t>1. </a:t>
+            </a:r>
+            <a:r>
+              <a:rPr lang="en-US" dirty="0"/>
+              <a:t>SELECT</a:t>
+            </a:r>
+          </a:p>
+          <a:p>
+            <a:pPr marL="0" indent="0">
+              <a:buNone/>
+            </a:pPr>
+            <a:r>
+              <a:rPr lang="en-US" sz="2000" dirty="0"/>
+              <a:t>2. </a:t>
+            </a:r>
+            <a:r>
+              <a:rPr lang="en-US" dirty="0"/>
+              <a:t>FROM</a:t>
+            </a:r>
+          </a:p>
+          <a:p>
+            <a:pPr marL="0" indent="0">
+              <a:buNone/>
+            </a:pPr>
+            <a:r>
+              <a:rPr lang="en-US" sz="2000" dirty="0"/>
+              <a:t>3. </a:t>
+            </a:r>
+            <a:r>
+              <a:rPr lang="en-US" dirty="0"/>
+              <a:t>WHERE</a:t>
+            </a:r>
+          </a:p>
+          <a:p>
+            <a:pPr marL="0" indent="0">
+              <a:buNone/>
+            </a:pPr>
+            <a:r>
+              <a:rPr lang="en-US" sz="2000" dirty="0"/>
+              <a:t>4. </a:t>
+            </a:r>
+            <a:r>
+              <a:rPr lang="en-US" dirty="0"/>
+              <a:t>GROUP BY</a:t>
+            </a:r>
+          </a:p>
+          <a:p>
+            <a:pPr marL="0" indent="0">
+              <a:buNone/>
+            </a:pPr>
+            <a:r>
+              <a:rPr lang="en-US" sz="2000" dirty="0"/>
+              <a:t>5. </a:t>
+            </a:r>
+            <a:r>
+              <a:rPr lang="en-US" dirty="0"/>
+              <a:t>HAVING</a:t>
+            </a:r>
+          </a:p>
+          <a:p>
+            <a:pPr marL="0" indent="0">
+              <a:buNone/>
+            </a:pPr>
+            <a:r>
+              <a:rPr lang="en-US" sz="2000" dirty="0"/>
+              <a:t>6. </a:t>
+            </a:r>
+            <a:r>
+              <a:rPr lang="en-US" dirty="0"/>
+              <a:t>ORDER BY</a:t>
+            </a:r>
+          </a:p>
+          <a:p>
+            <a:pPr marL="0" lvl="2" indent="0">
+              <a:lnSpc>
+                <a:spcPct val="110000"/>
+              </a:lnSpc>
+              <a:spcBef>
+                <a:spcPts val="0"/>
+              </a:spcBef>
+              <a:spcAft>
+                <a:spcPts val="1300"/>
+              </a:spcAft>
+              <a:buClr>
+                <a:srgbClr val="2FC2D9"/>
+              </a:buClr>
+              <a:buNone/>
+              <a:defRPr/>
+            </a:pPr>
+            <a:endParaRPr lang="en-US" dirty="0"/>
           </a:p>
           <a:p>
             <a:pPr marL="173736" lvl="2" indent="-173736">
@@ -25873,6 +25783,164 @@
             </a:pPr>
             <a:endParaRPr lang="en-US" dirty="0"/>
           </a:p>
+        </p:txBody>
+      </p:sp>
+      <p:sp>
+        <p:nvSpPr>
+          <p:cNvPr id="12" name="Content Placeholder 2"/>
+          <p:cNvSpPr txBox="1">
+            <a:spLocks/>
+          </p:cNvSpPr>
+          <p:nvPr/>
+        </p:nvSpPr>
+        <p:spPr>
+          <a:xfrm>
+            <a:off x="4907343" y="1421468"/>
+            <a:ext cx="3931920" cy="3244195"/>
+          </a:xfrm>
+          <a:prstGeom prst="rect">
+            <a:avLst/>
+          </a:prstGeom>
+        </p:spPr>
+        <p:txBody>
+          <a:bodyPr/>
+          <a:lstStyle>
+            <a:lvl1pPr marL="257175" indent="-257175" algn="l" defTabSz="342900" rtl="0" eaLnBrk="1" latinLnBrk="0" hangingPunct="1">
+              <a:spcBef>
+                <a:spcPct val="20000"/>
+              </a:spcBef>
+              <a:buFont typeface="Arial"/>
+              <a:buChar char="•"/>
+              <a:defRPr sz="2400" kern="1200">
+                <a:solidFill>
+                  <a:schemeClr val="tx1"/>
+                </a:solidFill>
+                <a:latin typeface="+mn-lt"/>
+                <a:ea typeface="+mn-ea"/>
+                <a:cs typeface="+mn-cs"/>
+              </a:defRPr>
+            </a:lvl1pPr>
+            <a:lvl2pPr marL="557213" indent="-214313" algn="l" defTabSz="342900" rtl="0" eaLnBrk="1" latinLnBrk="0" hangingPunct="1">
+              <a:spcBef>
+                <a:spcPct val="20000"/>
+              </a:spcBef>
+              <a:buFont typeface="Arial"/>
+              <a:buChar char="–"/>
+              <a:defRPr sz="2100" kern="1200">
+                <a:solidFill>
+                  <a:schemeClr val="tx1"/>
+                </a:solidFill>
+                <a:latin typeface="+mn-lt"/>
+                <a:ea typeface="+mn-ea"/>
+                <a:cs typeface="+mn-cs"/>
+              </a:defRPr>
+            </a:lvl2pPr>
+            <a:lvl3pPr marL="857250" indent="-171450" algn="l" defTabSz="342900" rtl="0" eaLnBrk="1" latinLnBrk="0" hangingPunct="1">
+              <a:spcBef>
+                <a:spcPct val="20000"/>
+              </a:spcBef>
+              <a:buFont typeface="Arial"/>
+              <a:buChar char="•"/>
+              <a:defRPr sz="1800" kern="1200">
+                <a:solidFill>
+                  <a:schemeClr val="tx1"/>
+                </a:solidFill>
+                <a:latin typeface="+mn-lt"/>
+                <a:ea typeface="+mn-ea"/>
+                <a:cs typeface="+mn-cs"/>
+              </a:defRPr>
+            </a:lvl3pPr>
+            <a:lvl4pPr marL="1200150" indent="-171450" algn="l" defTabSz="342900" rtl="0" eaLnBrk="1" latinLnBrk="0" hangingPunct="1">
+              <a:spcBef>
+                <a:spcPct val="20000"/>
+              </a:spcBef>
+              <a:buFont typeface="Arial"/>
+              <a:buChar char="–"/>
+              <a:defRPr sz="1500" kern="1200">
+                <a:solidFill>
+                  <a:schemeClr val="tx1"/>
+                </a:solidFill>
+                <a:latin typeface="+mn-lt"/>
+                <a:ea typeface="+mn-ea"/>
+                <a:cs typeface="+mn-cs"/>
+              </a:defRPr>
+            </a:lvl4pPr>
+            <a:lvl5pPr marL="1543050" indent="-171450" algn="l" defTabSz="342900" rtl="0" eaLnBrk="1" latinLnBrk="0" hangingPunct="1">
+              <a:spcBef>
+                <a:spcPct val="20000"/>
+              </a:spcBef>
+              <a:buFont typeface="Arial"/>
+              <a:buChar char="»"/>
+              <a:defRPr sz="1500" kern="1200">
+                <a:solidFill>
+                  <a:schemeClr val="tx1"/>
+                </a:solidFill>
+                <a:latin typeface="+mn-lt"/>
+                <a:ea typeface="+mn-ea"/>
+                <a:cs typeface="+mn-cs"/>
+              </a:defRPr>
+            </a:lvl5pPr>
+            <a:lvl6pPr marL="1885950" indent="-171450" algn="l" defTabSz="342900" rtl="0" eaLnBrk="1" latinLnBrk="0" hangingPunct="1">
+              <a:spcBef>
+                <a:spcPct val="20000"/>
+              </a:spcBef>
+              <a:buFont typeface="Arial"/>
+              <a:buChar char="•"/>
+              <a:defRPr sz="1500" kern="1200">
+                <a:solidFill>
+                  <a:schemeClr val="tx1"/>
+                </a:solidFill>
+                <a:latin typeface="+mn-lt"/>
+                <a:ea typeface="+mn-ea"/>
+                <a:cs typeface="+mn-cs"/>
+              </a:defRPr>
+            </a:lvl6pPr>
+            <a:lvl7pPr marL="2228850" indent="-171450" algn="l" defTabSz="342900" rtl="0" eaLnBrk="1" latinLnBrk="0" hangingPunct="1">
+              <a:spcBef>
+                <a:spcPct val="20000"/>
+              </a:spcBef>
+              <a:buFont typeface="Arial"/>
+              <a:buChar char="•"/>
+              <a:defRPr sz="1500" kern="1200">
+                <a:solidFill>
+                  <a:schemeClr val="tx1"/>
+                </a:solidFill>
+                <a:latin typeface="+mn-lt"/>
+                <a:ea typeface="+mn-ea"/>
+                <a:cs typeface="+mn-cs"/>
+              </a:defRPr>
+            </a:lvl7pPr>
+            <a:lvl8pPr marL="2571750" indent="-171450" algn="l" defTabSz="342900" rtl="0" eaLnBrk="1" latinLnBrk="0" hangingPunct="1">
+              <a:spcBef>
+                <a:spcPct val="20000"/>
+              </a:spcBef>
+              <a:buFont typeface="Arial"/>
+              <a:buChar char="•"/>
+              <a:defRPr sz="1500" kern="1200">
+                <a:solidFill>
+                  <a:schemeClr val="tx1"/>
+                </a:solidFill>
+                <a:latin typeface="+mn-lt"/>
+                <a:ea typeface="+mn-ea"/>
+                <a:cs typeface="+mn-cs"/>
+              </a:defRPr>
+            </a:lvl8pPr>
+            <a:lvl9pPr marL="2914650" indent="-171450" algn="l" defTabSz="342900" rtl="0" eaLnBrk="1" latinLnBrk="0" hangingPunct="1">
+              <a:spcBef>
+                <a:spcPct val="20000"/>
+              </a:spcBef>
+              <a:buFont typeface="Arial"/>
+              <a:buChar char="•"/>
+              <a:defRPr sz="1500" kern="1200">
+                <a:solidFill>
+                  <a:schemeClr val="tx1"/>
+                </a:solidFill>
+                <a:latin typeface="+mn-lt"/>
+                <a:ea typeface="+mn-ea"/>
+                <a:cs typeface="+mn-cs"/>
+              </a:defRPr>
+            </a:lvl9pPr>
+          </a:lstStyle>
           <a:p>
             <a:pPr marL="173736" lvl="2" indent="-173736">
               <a:lnSpc>
@@ -25891,446 +25959,79 @@
             </a:pPr>
             <a:r>
               <a:rPr lang="en-US" dirty="0"/>
-              <a:t>For robot</a:t>
+              <a:t>Logical query processing order</a:t>
+            </a:r>
+          </a:p>
+          <a:p>
+            <a:pPr marL="0" indent="0">
+              <a:buNone/>
+            </a:pPr>
+            <a:r>
+              <a:rPr lang="en-US" sz="2000" dirty="0"/>
+              <a:t>1. </a:t>
+            </a:r>
+            <a:r>
+              <a:rPr lang="en-US" dirty="0"/>
+              <a:t>FROM</a:t>
+            </a:r>
+          </a:p>
+          <a:p>
+            <a:pPr marL="0" indent="0">
+              <a:buNone/>
+            </a:pPr>
+            <a:r>
+              <a:rPr lang="en-US" sz="2000" dirty="0"/>
+              <a:t>2. </a:t>
+            </a:r>
+            <a:r>
+              <a:rPr lang="en-US" dirty="0"/>
+              <a:t>WHERE</a:t>
+            </a:r>
+          </a:p>
+          <a:p>
+            <a:pPr marL="0" indent="0">
+              <a:buNone/>
+            </a:pPr>
+            <a:r>
+              <a:rPr lang="en-US" dirty="0"/>
+              <a:t>3. GROUP BY</a:t>
+            </a:r>
+          </a:p>
+          <a:p>
+            <a:pPr marL="0" indent="0">
+              <a:buNone/>
+            </a:pPr>
+            <a:r>
+              <a:rPr lang="en-US" dirty="0"/>
+              <a:t>4. HAVING</a:t>
+            </a:r>
+          </a:p>
+          <a:p>
+            <a:pPr marL="0" indent="0">
+              <a:buNone/>
+            </a:pPr>
+            <a:r>
+              <a:rPr lang="en-US" dirty="0"/>
+              <a:t>5. SELECT</a:t>
+            </a:r>
+          </a:p>
+          <a:p>
+            <a:pPr marL="0" indent="0">
+              <a:buNone/>
+            </a:pPr>
+            <a:r>
+              <a:rPr lang="en-US" dirty="0"/>
+              <a:t>6. ORDER BY</a:t>
             </a:r>
           </a:p>
         </p:txBody>
       </p:sp>
       <p:sp>
         <p:nvSpPr>
-          <p:cNvPr id="2" name="Rectangle 1"/>
-          <p:cNvSpPr/>
-          <p:nvPr/>
-        </p:nvSpPr>
-        <p:spPr>
-          <a:xfrm>
-            <a:off x="2480427" y="2913966"/>
-            <a:ext cx="4572000" cy="523220"/>
-          </a:xfrm>
-          <a:prstGeom prst="rect">
-            <a:avLst/>
-          </a:prstGeom>
-        </p:spPr>
-        <p:txBody>
-          <a:bodyPr>
-            <a:spAutoFit/>
-          </a:bodyPr>
-          <a:lstStyle/>
-          <a:p>
-            <a:r>
-              <a:rPr lang="en-US">
-                <a:latin typeface="Segoe"/>
-              </a:rPr>
-              <a:t>“Go to the refrigerator; open the door; get a soda; bring it to me.”</a:t>
-            </a:r>
-            <a:endParaRPr lang="en-US"/>
-          </a:p>
-        </p:txBody>
-      </p:sp>
-      <p:sp>
-        <p:nvSpPr>
-          <p:cNvPr id="3" name="Rectangle 2"/>
-          <p:cNvSpPr/>
-          <p:nvPr/>
-        </p:nvSpPr>
-        <p:spPr>
-          <a:xfrm>
-            <a:off x="2480427" y="1510015"/>
-            <a:ext cx="3274999" cy="307777"/>
-          </a:xfrm>
-          <a:prstGeom prst="rect">
-            <a:avLst/>
-          </a:prstGeom>
-        </p:spPr>
-        <p:txBody>
-          <a:bodyPr wrap="none">
-            <a:spAutoFit/>
-          </a:bodyPr>
-          <a:lstStyle/>
-          <a:p>
-            <a:r>
-              <a:rPr lang="en-US">
-                <a:latin typeface="Segoe"/>
-              </a:rPr>
-              <a:t>“Bring me a soda from the refrigerator.”</a:t>
-            </a:r>
-            <a:endParaRPr lang="en-US"/>
-          </a:p>
-        </p:txBody>
-      </p:sp>
-      <p:sp>
-        <p:nvSpPr>
-          <p:cNvPr id="4" name="Rectangle 3"/>
-          <p:cNvSpPr/>
-          <p:nvPr/>
-        </p:nvSpPr>
-        <p:spPr>
-          <a:xfrm>
-            <a:off x="2480427" y="2049026"/>
-            <a:ext cx="4572000" cy="523220"/>
-          </a:xfrm>
-          <a:prstGeom prst="rect">
-            <a:avLst/>
-          </a:prstGeom>
-        </p:spPr>
-        <p:txBody>
-          <a:bodyPr>
-            <a:spAutoFit/>
-          </a:bodyPr>
-          <a:lstStyle/>
-          <a:p>
-            <a:r>
-              <a:rPr lang="en-US">
-                <a:solidFill>
-                  <a:srgbClr val="0000FF"/>
-                </a:solidFill>
-                <a:latin typeface="Consolas" panose="020B0609020204030204" pitchFamily="49" charset="0"/>
-              </a:rPr>
-              <a:t>SELECT</a:t>
-            </a:r>
-            <a:r>
-              <a:rPr lang="en-US">
-                <a:solidFill>
-                  <a:prstClr val="black"/>
-                </a:solidFill>
-                <a:latin typeface="Consolas" panose="020B0609020204030204" pitchFamily="49" charset="0"/>
-              </a:rPr>
-              <a:t> </a:t>
-            </a:r>
-            <a:r>
-              <a:rPr lang="en-US" err="1">
-                <a:solidFill>
-                  <a:prstClr val="black"/>
-                </a:solidFill>
-                <a:latin typeface="Consolas" panose="020B0609020204030204" pitchFamily="49" charset="0"/>
-              </a:rPr>
-              <a:t>shipperid</a:t>
-            </a:r>
-            <a:r>
-              <a:rPr lang="en-US">
-                <a:solidFill>
-                  <a:srgbClr val="808080"/>
-                </a:solidFill>
-                <a:latin typeface="Consolas" panose="020B0609020204030204" pitchFamily="49" charset="0"/>
-              </a:rPr>
-              <a:t>,</a:t>
-            </a:r>
-            <a:r>
-              <a:rPr lang="en-US">
-                <a:solidFill>
-                  <a:prstClr val="black"/>
-                </a:solidFill>
-                <a:latin typeface="Consolas" panose="020B0609020204030204" pitchFamily="49" charset="0"/>
-              </a:rPr>
-              <a:t> phone</a:t>
-            </a:r>
-            <a:r>
-              <a:rPr lang="en-US">
-                <a:solidFill>
-                  <a:srgbClr val="808080"/>
-                </a:solidFill>
-                <a:latin typeface="Consolas" panose="020B0609020204030204" pitchFamily="49" charset="0"/>
-              </a:rPr>
-              <a:t>,</a:t>
-            </a:r>
-            <a:r>
-              <a:rPr lang="en-US">
-                <a:solidFill>
-                  <a:prstClr val="black"/>
-                </a:solidFill>
-                <a:latin typeface="Consolas" panose="020B0609020204030204" pitchFamily="49" charset="0"/>
-              </a:rPr>
-              <a:t> </a:t>
-            </a:r>
-            <a:r>
-              <a:rPr lang="en-US" err="1">
-                <a:solidFill>
-                  <a:prstClr val="black"/>
-                </a:solidFill>
-                <a:latin typeface="Consolas" panose="020B0609020204030204" pitchFamily="49" charset="0"/>
-              </a:rPr>
-              <a:t>companyname</a:t>
-            </a:r>
-            <a:endParaRPr lang="en-US">
-              <a:solidFill>
-                <a:prstClr val="black"/>
-              </a:solidFill>
-              <a:latin typeface="Consolas" panose="020B0609020204030204" pitchFamily="49" charset="0"/>
-            </a:endParaRPr>
-          </a:p>
-          <a:p>
-            <a:r>
-              <a:rPr lang="en-US">
-                <a:solidFill>
-                  <a:srgbClr val="0000FF"/>
-                </a:solidFill>
-                <a:latin typeface="Consolas" panose="020B0609020204030204" pitchFamily="49" charset="0"/>
-              </a:rPr>
-              <a:t>FROM</a:t>
-            </a:r>
-            <a:r>
-              <a:rPr lang="en-US">
-                <a:solidFill>
-                  <a:prstClr val="black"/>
-                </a:solidFill>
-                <a:latin typeface="Consolas" panose="020B0609020204030204" pitchFamily="49" charset="0"/>
-              </a:rPr>
-              <a:t> </a:t>
-            </a:r>
-            <a:r>
-              <a:rPr lang="en-US" err="1">
-                <a:solidFill>
-                  <a:prstClr val="black"/>
-                </a:solidFill>
-                <a:latin typeface="Consolas" panose="020B0609020204030204" pitchFamily="49" charset="0"/>
-              </a:rPr>
-              <a:t>Sales</a:t>
-            </a:r>
-            <a:r>
-              <a:rPr lang="en-US" err="1">
-                <a:solidFill>
-                  <a:srgbClr val="808080"/>
-                </a:solidFill>
-                <a:latin typeface="Consolas" panose="020B0609020204030204" pitchFamily="49" charset="0"/>
-              </a:rPr>
-              <a:t>.</a:t>
-            </a:r>
-            <a:r>
-              <a:rPr lang="en-US" err="1">
-                <a:solidFill>
-                  <a:prstClr val="black"/>
-                </a:solidFill>
-                <a:latin typeface="Consolas" panose="020B0609020204030204" pitchFamily="49" charset="0"/>
-              </a:rPr>
-              <a:t>Shippers</a:t>
-            </a:r>
-            <a:r>
-              <a:rPr lang="en-US">
-                <a:solidFill>
-                  <a:srgbClr val="808080"/>
-                </a:solidFill>
-                <a:latin typeface="Consolas" panose="020B0609020204030204" pitchFamily="49" charset="0"/>
-              </a:rPr>
-              <a:t>;</a:t>
-            </a:r>
-          </a:p>
-        </p:txBody>
-      </p:sp>
-      <p:sp>
-        <p:nvSpPr>
-          <p:cNvPr id="9" name="Rectangle 8"/>
-          <p:cNvSpPr/>
-          <p:nvPr/>
-        </p:nvSpPr>
-        <p:spPr>
-          <a:xfrm>
-            <a:off x="2480427" y="3496056"/>
-            <a:ext cx="4572000" cy="738664"/>
-          </a:xfrm>
-          <a:prstGeom prst="rect">
-            <a:avLst/>
-          </a:prstGeom>
-        </p:spPr>
-        <p:txBody>
-          <a:bodyPr>
-            <a:spAutoFit/>
-          </a:bodyPr>
-          <a:lstStyle/>
-          <a:p>
-            <a:r>
-              <a:rPr lang="en-US">
-                <a:solidFill>
-                  <a:srgbClr val="0000FF"/>
-                </a:solidFill>
-                <a:latin typeface="Consolas" panose="020B0609020204030204" pitchFamily="49" charset="0"/>
-              </a:rPr>
-              <a:t>FROM</a:t>
-            </a:r>
-            <a:r>
-              <a:rPr lang="en-US">
-                <a:solidFill>
-                  <a:prstClr val="black"/>
-                </a:solidFill>
-                <a:latin typeface="Consolas" panose="020B0609020204030204" pitchFamily="49" charset="0"/>
-              </a:rPr>
-              <a:t> </a:t>
-            </a:r>
-            <a:r>
-              <a:rPr lang="en-US" err="1">
-                <a:solidFill>
-                  <a:prstClr val="black"/>
-                </a:solidFill>
-                <a:latin typeface="Consolas" panose="020B0609020204030204" pitchFamily="49" charset="0"/>
-              </a:rPr>
-              <a:t>Sales</a:t>
-            </a:r>
-            <a:r>
-              <a:rPr lang="en-US" err="1">
-                <a:solidFill>
-                  <a:srgbClr val="808080"/>
-                </a:solidFill>
-                <a:latin typeface="Consolas" panose="020B0609020204030204" pitchFamily="49" charset="0"/>
-              </a:rPr>
-              <a:t>.</a:t>
-            </a:r>
-            <a:r>
-              <a:rPr lang="en-US" err="1">
-                <a:solidFill>
-                  <a:prstClr val="black"/>
-                </a:solidFill>
-                <a:latin typeface="Consolas" panose="020B0609020204030204" pitchFamily="49" charset="0"/>
-              </a:rPr>
-              <a:t>Shippers</a:t>
-            </a:r>
-            <a:endParaRPr lang="en-US">
-              <a:solidFill>
-                <a:srgbClr val="808080"/>
-              </a:solidFill>
-              <a:latin typeface="Consolas" panose="020B0609020204030204" pitchFamily="49" charset="0"/>
-            </a:endParaRPr>
-          </a:p>
-          <a:p>
-            <a:r>
-              <a:rPr lang="en-US">
-                <a:solidFill>
-                  <a:srgbClr val="0000FF"/>
-                </a:solidFill>
-                <a:latin typeface="Consolas" panose="020B0609020204030204" pitchFamily="49" charset="0"/>
-              </a:rPr>
-              <a:t>SELECT</a:t>
-            </a:r>
-            <a:r>
-              <a:rPr lang="en-US">
-                <a:solidFill>
-                  <a:prstClr val="black"/>
-                </a:solidFill>
-                <a:latin typeface="Consolas" panose="020B0609020204030204" pitchFamily="49" charset="0"/>
-              </a:rPr>
-              <a:t> </a:t>
-            </a:r>
-            <a:r>
-              <a:rPr lang="en-US" err="1">
-                <a:solidFill>
-                  <a:prstClr val="black"/>
-                </a:solidFill>
-                <a:latin typeface="Consolas" panose="020B0609020204030204" pitchFamily="49" charset="0"/>
-              </a:rPr>
-              <a:t>shipperid</a:t>
-            </a:r>
-            <a:r>
-              <a:rPr lang="en-US">
-                <a:solidFill>
-                  <a:srgbClr val="808080"/>
-                </a:solidFill>
-                <a:latin typeface="Consolas" panose="020B0609020204030204" pitchFamily="49" charset="0"/>
-              </a:rPr>
-              <a:t>,</a:t>
-            </a:r>
-            <a:r>
-              <a:rPr lang="en-US">
-                <a:solidFill>
-                  <a:prstClr val="black"/>
-                </a:solidFill>
-                <a:latin typeface="Consolas" panose="020B0609020204030204" pitchFamily="49" charset="0"/>
-              </a:rPr>
-              <a:t> phone</a:t>
-            </a:r>
-            <a:r>
-              <a:rPr lang="en-US">
-                <a:solidFill>
-                  <a:srgbClr val="808080"/>
-                </a:solidFill>
-                <a:latin typeface="Consolas" panose="020B0609020204030204" pitchFamily="49" charset="0"/>
-              </a:rPr>
-              <a:t>,</a:t>
-            </a:r>
-            <a:r>
-              <a:rPr lang="en-US">
-                <a:solidFill>
-                  <a:prstClr val="black"/>
-                </a:solidFill>
-                <a:latin typeface="Consolas" panose="020B0609020204030204" pitchFamily="49" charset="0"/>
-              </a:rPr>
-              <a:t> </a:t>
-            </a:r>
-            <a:r>
-              <a:rPr lang="en-US" err="1">
-                <a:solidFill>
-                  <a:prstClr val="black"/>
-                </a:solidFill>
-                <a:latin typeface="Consolas" panose="020B0609020204030204" pitchFamily="49" charset="0"/>
-              </a:rPr>
-              <a:t>companyname</a:t>
-            </a:r>
-            <a:r>
-              <a:rPr lang="en-US">
-                <a:solidFill>
-                  <a:prstClr val="black"/>
-                </a:solidFill>
-                <a:latin typeface="Consolas" panose="020B0609020204030204" pitchFamily="49" charset="0"/>
-              </a:rPr>
-              <a:t>;</a:t>
-            </a:r>
-          </a:p>
-          <a:p>
-            <a:endParaRPr lang="en-US">
-              <a:solidFill>
-                <a:srgbClr val="808080"/>
-              </a:solidFill>
-              <a:latin typeface="Consolas" panose="020B0609020204030204" pitchFamily="49" charset="0"/>
-            </a:endParaRPr>
-          </a:p>
-        </p:txBody>
-      </p:sp>
-      <p:sp>
-        <p:nvSpPr>
-          <p:cNvPr id="5" name="Left-Right Arrow 4"/>
-          <p:cNvSpPr/>
-          <p:nvPr/>
-        </p:nvSpPr>
-        <p:spPr>
-          <a:xfrm rot="5400000">
-            <a:off x="2038725" y="3541146"/>
-            <a:ext cx="514071" cy="369332"/>
-          </a:xfrm>
-          <a:prstGeom prst="leftRightArrow">
-            <a:avLst/>
-          </a:prstGeom>
-          <a:solidFill>
-            <a:schemeClr val="bg1">
-              <a:lumMod val="85000"/>
-            </a:schemeClr>
-          </a:solidFill>
-        </p:spPr>
-        <p:style>
-          <a:lnRef idx="1">
-            <a:schemeClr val="accent1"/>
-          </a:lnRef>
-          <a:fillRef idx="3">
-            <a:schemeClr val="accent1"/>
-          </a:fillRef>
-          <a:effectRef idx="2">
-            <a:schemeClr val="accent1"/>
-          </a:effectRef>
-          <a:fontRef idx="minor">
-            <a:schemeClr val="lt1"/>
-          </a:fontRef>
-        </p:style>
-        <p:txBody>
-          <a:bodyPr rtlCol="0" anchor="ctr"/>
-          <a:lstStyle/>
-          <a:p>
-            <a:pPr algn="ctr"/>
-            <a:endParaRPr lang="en-US"/>
-          </a:p>
-        </p:txBody>
-      </p:sp>
-      <p:sp>
-        <p:nvSpPr>
-          <p:cNvPr id="11" name="Title 10">
+          <p:cNvPr id="4" name="Title 3">
             <a:extLst>
               <a:ext uri="{FF2B5EF4-FFF2-40B4-BE49-F238E27FC236}">
-                <a16:creationId xmlns:a16="http://schemas.microsoft.com/office/drawing/2014/main" id="{250B5A76-ACFA-447A-A4D6-432CD1229E58}"/>
+                <a16:creationId xmlns:a16="http://schemas.microsoft.com/office/drawing/2014/main" id="{A35A7C48-D511-4B53-B792-88902490C64E}"/>
               </a:ext>
             </a:extLst>
           </p:cNvPr>
@@ -26355,10 +26056,10 @@
       </p:sp>
       <p:sp>
         <p:nvSpPr>
-          <p:cNvPr id="14" name="Text Placeholder 13">
+          <p:cNvPr id="6" name="Text Placeholder 5">
             <a:extLst>
               <a:ext uri="{FF2B5EF4-FFF2-40B4-BE49-F238E27FC236}">
-                <a16:creationId xmlns:a16="http://schemas.microsoft.com/office/drawing/2014/main" id="{DAAE229E-020D-4630-912A-8F324D27D9E8}"/>
+                <a16:creationId xmlns:a16="http://schemas.microsoft.com/office/drawing/2014/main" id="{12685357-A7F7-4D02-920F-E763808E0B62}"/>
               </a:ext>
             </a:extLst>
           </p:cNvPr>
@@ -26375,19 +26076,18 @@
           <a:lstStyle/>
           <a:p>
             <a:r>
-              <a:rPr lang="en-US" b="1" dirty="0"/>
-              <a:t>T-SQL As a Declarative English-Like Language</a:t>
-            </a:r>
-            <a:endParaRPr lang="en-US" dirty="0"/>
+              <a:rPr lang="en-US" dirty="0"/>
+              <a:t>Logical Query Processing Phases</a:t>
+            </a:r>
           </a:p>
         </p:txBody>
       </p:sp>
       <p:sp>
         <p:nvSpPr>
-          <p:cNvPr id="6" name="Slide Number Placeholder 5">
+          <p:cNvPr id="2" name="Slide Number Placeholder 1">
             <a:extLst>
               <a:ext uri="{FF2B5EF4-FFF2-40B4-BE49-F238E27FC236}">
-                <a16:creationId xmlns:a16="http://schemas.microsoft.com/office/drawing/2014/main" id="{2A0A619D-94CC-4E18-9E8E-B2E616AA4C56}"/>
+                <a16:creationId xmlns:a16="http://schemas.microsoft.com/office/drawing/2014/main" id="{89078BDD-5D29-407B-A753-9B57A6A8A4CB}"/>
               </a:ext>
             </a:extLst>
           </p:cNvPr>
@@ -26474,7 +26174,7 @@
     </p:spTree>
     <p:extLst>
       <p:ext uri="{BB962C8B-B14F-4D97-AF65-F5344CB8AC3E}">
-        <p14:creationId xmlns:p14="http://schemas.microsoft.com/office/powerpoint/2010/main" val="600514039"/>
+        <p14:creationId xmlns:p14="http://schemas.microsoft.com/office/powerpoint/2010/main" val="2494359083"/>
       </p:ext>
     </p:extLst>
   </p:cSld>
@@ -26485,734 +26185,6 @@
 </file>
 
 <file path=ppt/slides/slide11.xml><?xml version="1.0" encoding="utf-8"?>
-<p:sld xmlns:a="http://schemas.openxmlformats.org/drawingml/2006/main" xmlns:r="http://schemas.openxmlformats.org/officeDocument/2006/relationships" xmlns:p="http://schemas.openxmlformats.org/presentationml/2006/main">
-  <p:cSld>
-    <p:spTree>
-      <p:nvGrpSpPr>
-        <p:cNvPr id="1" name=""/>
-        <p:cNvGrpSpPr/>
-        <p:nvPr/>
-      </p:nvGrpSpPr>
-      <p:grpSpPr>
-        <a:xfrm>
-          <a:off x="0" y="0"/>
-          <a:ext cx="0" cy="0"/>
-          <a:chOff x="0" y="0"/>
-          <a:chExt cx="0" cy="0"/>
-        </a:xfrm>
-      </p:grpSpPr>
-      <p:sp>
-        <p:nvSpPr>
-          <p:cNvPr id="11" name="Content Placeholder 2"/>
-          <p:cNvSpPr txBox="1">
-            <a:spLocks/>
-          </p:cNvSpPr>
-          <p:nvPr/>
-        </p:nvSpPr>
-        <p:spPr>
-          <a:xfrm>
-            <a:off x="357187" y="1421468"/>
-            <a:ext cx="3931920" cy="3244195"/>
-          </a:xfrm>
-          <a:prstGeom prst="rect">
-            <a:avLst/>
-          </a:prstGeom>
-        </p:spPr>
-        <p:txBody>
-          <a:bodyPr/>
-          <a:lstStyle>
-            <a:lvl1pPr marL="257175" indent="-257175" algn="l" defTabSz="342900" rtl="0" eaLnBrk="1" latinLnBrk="0" hangingPunct="1">
-              <a:spcBef>
-                <a:spcPct val="20000"/>
-              </a:spcBef>
-              <a:buFont typeface="Arial"/>
-              <a:buChar char="•"/>
-              <a:defRPr sz="2400" kern="1200">
-                <a:solidFill>
-                  <a:schemeClr val="tx1"/>
-                </a:solidFill>
-                <a:latin typeface="+mn-lt"/>
-                <a:ea typeface="+mn-ea"/>
-                <a:cs typeface="+mn-cs"/>
-              </a:defRPr>
-            </a:lvl1pPr>
-            <a:lvl2pPr marL="557213" indent="-214313" algn="l" defTabSz="342900" rtl="0" eaLnBrk="1" latinLnBrk="0" hangingPunct="1">
-              <a:spcBef>
-                <a:spcPct val="20000"/>
-              </a:spcBef>
-              <a:buFont typeface="Arial"/>
-              <a:buChar char="–"/>
-              <a:defRPr sz="2100" kern="1200">
-                <a:solidFill>
-                  <a:schemeClr val="tx1"/>
-                </a:solidFill>
-                <a:latin typeface="+mn-lt"/>
-                <a:ea typeface="+mn-ea"/>
-                <a:cs typeface="+mn-cs"/>
-              </a:defRPr>
-            </a:lvl2pPr>
-            <a:lvl3pPr marL="857250" indent="-171450" algn="l" defTabSz="342900" rtl="0" eaLnBrk="1" latinLnBrk="0" hangingPunct="1">
-              <a:spcBef>
-                <a:spcPct val="20000"/>
-              </a:spcBef>
-              <a:buFont typeface="Arial"/>
-              <a:buChar char="•"/>
-              <a:defRPr sz="1800" kern="1200">
-                <a:solidFill>
-                  <a:schemeClr val="tx1"/>
-                </a:solidFill>
-                <a:latin typeface="+mn-lt"/>
-                <a:ea typeface="+mn-ea"/>
-                <a:cs typeface="+mn-cs"/>
-              </a:defRPr>
-            </a:lvl3pPr>
-            <a:lvl4pPr marL="1200150" indent="-171450" algn="l" defTabSz="342900" rtl="0" eaLnBrk="1" latinLnBrk="0" hangingPunct="1">
-              <a:spcBef>
-                <a:spcPct val="20000"/>
-              </a:spcBef>
-              <a:buFont typeface="Arial"/>
-              <a:buChar char="–"/>
-              <a:defRPr sz="1500" kern="1200">
-                <a:solidFill>
-                  <a:schemeClr val="tx1"/>
-                </a:solidFill>
-                <a:latin typeface="+mn-lt"/>
-                <a:ea typeface="+mn-ea"/>
-                <a:cs typeface="+mn-cs"/>
-              </a:defRPr>
-            </a:lvl4pPr>
-            <a:lvl5pPr marL="1543050" indent="-171450" algn="l" defTabSz="342900" rtl="0" eaLnBrk="1" latinLnBrk="0" hangingPunct="1">
-              <a:spcBef>
-                <a:spcPct val="20000"/>
-              </a:spcBef>
-              <a:buFont typeface="Arial"/>
-              <a:buChar char="»"/>
-              <a:defRPr sz="1500" kern="1200">
-                <a:solidFill>
-                  <a:schemeClr val="tx1"/>
-                </a:solidFill>
-                <a:latin typeface="+mn-lt"/>
-                <a:ea typeface="+mn-ea"/>
-                <a:cs typeface="+mn-cs"/>
-              </a:defRPr>
-            </a:lvl5pPr>
-            <a:lvl6pPr marL="1885950" indent="-171450" algn="l" defTabSz="342900" rtl="0" eaLnBrk="1" latinLnBrk="0" hangingPunct="1">
-              <a:spcBef>
-                <a:spcPct val="20000"/>
-              </a:spcBef>
-              <a:buFont typeface="Arial"/>
-              <a:buChar char="•"/>
-              <a:defRPr sz="1500" kern="1200">
-                <a:solidFill>
-                  <a:schemeClr val="tx1"/>
-                </a:solidFill>
-                <a:latin typeface="+mn-lt"/>
-                <a:ea typeface="+mn-ea"/>
-                <a:cs typeface="+mn-cs"/>
-              </a:defRPr>
-            </a:lvl6pPr>
-            <a:lvl7pPr marL="2228850" indent="-171450" algn="l" defTabSz="342900" rtl="0" eaLnBrk="1" latinLnBrk="0" hangingPunct="1">
-              <a:spcBef>
-                <a:spcPct val="20000"/>
-              </a:spcBef>
-              <a:buFont typeface="Arial"/>
-              <a:buChar char="•"/>
-              <a:defRPr sz="1500" kern="1200">
-                <a:solidFill>
-                  <a:schemeClr val="tx1"/>
-                </a:solidFill>
-                <a:latin typeface="+mn-lt"/>
-                <a:ea typeface="+mn-ea"/>
-                <a:cs typeface="+mn-cs"/>
-              </a:defRPr>
-            </a:lvl7pPr>
-            <a:lvl8pPr marL="2571750" indent="-171450" algn="l" defTabSz="342900" rtl="0" eaLnBrk="1" latinLnBrk="0" hangingPunct="1">
-              <a:spcBef>
-                <a:spcPct val="20000"/>
-              </a:spcBef>
-              <a:buFont typeface="Arial"/>
-              <a:buChar char="•"/>
-              <a:defRPr sz="1500" kern="1200">
-                <a:solidFill>
-                  <a:schemeClr val="tx1"/>
-                </a:solidFill>
-                <a:latin typeface="+mn-lt"/>
-                <a:ea typeface="+mn-ea"/>
-                <a:cs typeface="+mn-cs"/>
-              </a:defRPr>
-            </a:lvl8pPr>
-            <a:lvl9pPr marL="2914650" indent="-171450" algn="l" defTabSz="342900" rtl="0" eaLnBrk="1" latinLnBrk="0" hangingPunct="1">
-              <a:spcBef>
-                <a:spcPct val="20000"/>
-              </a:spcBef>
-              <a:buFont typeface="Arial"/>
-              <a:buChar char="•"/>
-              <a:defRPr sz="1500" kern="1200">
-                <a:solidFill>
-                  <a:schemeClr val="tx1"/>
-                </a:solidFill>
-                <a:latin typeface="+mn-lt"/>
-                <a:ea typeface="+mn-ea"/>
-                <a:cs typeface="+mn-cs"/>
-              </a:defRPr>
-            </a:lvl9pPr>
-          </a:lstStyle>
-          <a:p>
-            <a:pPr marL="173736" lvl="2" indent="-173736">
-              <a:lnSpc>
-                <a:spcPct val="110000"/>
-              </a:lnSpc>
-              <a:spcBef>
-                <a:spcPts val="0"/>
-              </a:spcBef>
-              <a:spcAft>
-                <a:spcPts val="1300"/>
-              </a:spcAft>
-              <a:buClr>
-                <a:srgbClr val="2FC2D9"/>
-              </a:buClr>
-              <a:defRPr/>
-            </a:pPr>
-            <a:r>
-              <a:rPr lang="en-US" dirty="0"/>
-              <a:t>In T-SQL Query</a:t>
-            </a:r>
-          </a:p>
-          <a:p>
-            <a:pPr marL="0" indent="0">
-              <a:buNone/>
-            </a:pPr>
-            <a:r>
-              <a:rPr lang="en-US" sz="2000" dirty="0"/>
-              <a:t>1. </a:t>
-            </a:r>
-            <a:r>
-              <a:rPr lang="en-US" dirty="0"/>
-              <a:t>SELECT</a:t>
-            </a:r>
-          </a:p>
-          <a:p>
-            <a:pPr marL="0" indent="0">
-              <a:buNone/>
-            </a:pPr>
-            <a:r>
-              <a:rPr lang="en-US" sz="2000" dirty="0"/>
-              <a:t>2. </a:t>
-            </a:r>
-            <a:r>
-              <a:rPr lang="en-US" dirty="0"/>
-              <a:t>FROM</a:t>
-            </a:r>
-          </a:p>
-          <a:p>
-            <a:pPr marL="0" indent="0">
-              <a:buNone/>
-            </a:pPr>
-            <a:r>
-              <a:rPr lang="en-US" sz="2000" dirty="0"/>
-              <a:t>3. </a:t>
-            </a:r>
-            <a:r>
-              <a:rPr lang="en-US" dirty="0"/>
-              <a:t>WHERE</a:t>
-            </a:r>
-          </a:p>
-          <a:p>
-            <a:pPr marL="0" indent="0">
-              <a:buNone/>
-            </a:pPr>
-            <a:r>
-              <a:rPr lang="en-US" sz="2000" dirty="0"/>
-              <a:t>4. </a:t>
-            </a:r>
-            <a:r>
-              <a:rPr lang="en-US" dirty="0"/>
-              <a:t>GROUP BY</a:t>
-            </a:r>
-          </a:p>
-          <a:p>
-            <a:pPr marL="0" indent="0">
-              <a:buNone/>
-            </a:pPr>
-            <a:r>
-              <a:rPr lang="en-US" sz="2000" dirty="0"/>
-              <a:t>5. </a:t>
-            </a:r>
-            <a:r>
-              <a:rPr lang="en-US" dirty="0"/>
-              <a:t>HAVING</a:t>
-            </a:r>
-          </a:p>
-          <a:p>
-            <a:pPr marL="0" indent="0">
-              <a:buNone/>
-            </a:pPr>
-            <a:r>
-              <a:rPr lang="en-US" sz="2000" dirty="0"/>
-              <a:t>6. </a:t>
-            </a:r>
-            <a:r>
-              <a:rPr lang="en-US" dirty="0"/>
-              <a:t>ORDER BY</a:t>
-            </a:r>
-          </a:p>
-          <a:p>
-            <a:pPr marL="0" lvl="2" indent="0">
-              <a:lnSpc>
-                <a:spcPct val="110000"/>
-              </a:lnSpc>
-              <a:spcBef>
-                <a:spcPts val="0"/>
-              </a:spcBef>
-              <a:spcAft>
-                <a:spcPts val="1300"/>
-              </a:spcAft>
-              <a:buClr>
-                <a:srgbClr val="2FC2D9"/>
-              </a:buClr>
-              <a:buNone/>
-              <a:defRPr/>
-            </a:pPr>
-            <a:endParaRPr lang="en-US" dirty="0"/>
-          </a:p>
-          <a:p>
-            <a:pPr marL="173736" lvl="2" indent="-173736">
-              <a:lnSpc>
-                <a:spcPct val="110000"/>
-              </a:lnSpc>
-              <a:spcBef>
-                <a:spcPts val="0"/>
-              </a:spcBef>
-              <a:spcAft>
-                <a:spcPts val="1300"/>
-              </a:spcAft>
-              <a:buClr>
-                <a:srgbClr val="2FC2D9"/>
-              </a:buClr>
-              <a:defRPr/>
-            </a:pPr>
-            <a:endParaRPr lang="en-US" dirty="0"/>
-          </a:p>
-          <a:p>
-            <a:pPr marL="173736" lvl="2" indent="-173736">
-              <a:lnSpc>
-                <a:spcPct val="110000"/>
-              </a:lnSpc>
-              <a:spcBef>
-                <a:spcPts val="0"/>
-              </a:spcBef>
-              <a:spcAft>
-                <a:spcPts val="1300"/>
-              </a:spcAft>
-              <a:buClr>
-                <a:srgbClr val="2FC2D9"/>
-              </a:buClr>
-              <a:defRPr/>
-            </a:pPr>
-            <a:endParaRPr lang="en-US" dirty="0"/>
-          </a:p>
-        </p:txBody>
-      </p:sp>
-      <p:sp>
-        <p:nvSpPr>
-          <p:cNvPr id="12" name="Content Placeholder 2"/>
-          <p:cNvSpPr txBox="1">
-            <a:spLocks/>
-          </p:cNvSpPr>
-          <p:nvPr/>
-        </p:nvSpPr>
-        <p:spPr>
-          <a:xfrm>
-            <a:off x="4907343" y="1421468"/>
-            <a:ext cx="3931920" cy="3244195"/>
-          </a:xfrm>
-          <a:prstGeom prst="rect">
-            <a:avLst/>
-          </a:prstGeom>
-        </p:spPr>
-        <p:txBody>
-          <a:bodyPr/>
-          <a:lstStyle>
-            <a:lvl1pPr marL="257175" indent="-257175" algn="l" defTabSz="342900" rtl="0" eaLnBrk="1" latinLnBrk="0" hangingPunct="1">
-              <a:spcBef>
-                <a:spcPct val="20000"/>
-              </a:spcBef>
-              <a:buFont typeface="Arial"/>
-              <a:buChar char="•"/>
-              <a:defRPr sz="2400" kern="1200">
-                <a:solidFill>
-                  <a:schemeClr val="tx1"/>
-                </a:solidFill>
-                <a:latin typeface="+mn-lt"/>
-                <a:ea typeface="+mn-ea"/>
-                <a:cs typeface="+mn-cs"/>
-              </a:defRPr>
-            </a:lvl1pPr>
-            <a:lvl2pPr marL="557213" indent="-214313" algn="l" defTabSz="342900" rtl="0" eaLnBrk="1" latinLnBrk="0" hangingPunct="1">
-              <a:spcBef>
-                <a:spcPct val="20000"/>
-              </a:spcBef>
-              <a:buFont typeface="Arial"/>
-              <a:buChar char="–"/>
-              <a:defRPr sz="2100" kern="1200">
-                <a:solidFill>
-                  <a:schemeClr val="tx1"/>
-                </a:solidFill>
-                <a:latin typeface="+mn-lt"/>
-                <a:ea typeface="+mn-ea"/>
-                <a:cs typeface="+mn-cs"/>
-              </a:defRPr>
-            </a:lvl2pPr>
-            <a:lvl3pPr marL="857250" indent="-171450" algn="l" defTabSz="342900" rtl="0" eaLnBrk="1" latinLnBrk="0" hangingPunct="1">
-              <a:spcBef>
-                <a:spcPct val="20000"/>
-              </a:spcBef>
-              <a:buFont typeface="Arial"/>
-              <a:buChar char="•"/>
-              <a:defRPr sz="1800" kern="1200">
-                <a:solidFill>
-                  <a:schemeClr val="tx1"/>
-                </a:solidFill>
-                <a:latin typeface="+mn-lt"/>
-                <a:ea typeface="+mn-ea"/>
-                <a:cs typeface="+mn-cs"/>
-              </a:defRPr>
-            </a:lvl3pPr>
-            <a:lvl4pPr marL="1200150" indent="-171450" algn="l" defTabSz="342900" rtl="0" eaLnBrk="1" latinLnBrk="0" hangingPunct="1">
-              <a:spcBef>
-                <a:spcPct val="20000"/>
-              </a:spcBef>
-              <a:buFont typeface="Arial"/>
-              <a:buChar char="–"/>
-              <a:defRPr sz="1500" kern="1200">
-                <a:solidFill>
-                  <a:schemeClr val="tx1"/>
-                </a:solidFill>
-                <a:latin typeface="+mn-lt"/>
-                <a:ea typeface="+mn-ea"/>
-                <a:cs typeface="+mn-cs"/>
-              </a:defRPr>
-            </a:lvl4pPr>
-            <a:lvl5pPr marL="1543050" indent="-171450" algn="l" defTabSz="342900" rtl="0" eaLnBrk="1" latinLnBrk="0" hangingPunct="1">
-              <a:spcBef>
-                <a:spcPct val="20000"/>
-              </a:spcBef>
-              <a:buFont typeface="Arial"/>
-              <a:buChar char="»"/>
-              <a:defRPr sz="1500" kern="1200">
-                <a:solidFill>
-                  <a:schemeClr val="tx1"/>
-                </a:solidFill>
-                <a:latin typeface="+mn-lt"/>
-                <a:ea typeface="+mn-ea"/>
-                <a:cs typeface="+mn-cs"/>
-              </a:defRPr>
-            </a:lvl5pPr>
-            <a:lvl6pPr marL="1885950" indent="-171450" algn="l" defTabSz="342900" rtl="0" eaLnBrk="1" latinLnBrk="0" hangingPunct="1">
-              <a:spcBef>
-                <a:spcPct val="20000"/>
-              </a:spcBef>
-              <a:buFont typeface="Arial"/>
-              <a:buChar char="•"/>
-              <a:defRPr sz="1500" kern="1200">
-                <a:solidFill>
-                  <a:schemeClr val="tx1"/>
-                </a:solidFill>
-                <a:latin typeface="+mn-lt"/>
-                <a:ea typeface="+mn-ea"/>
-                <a:cs typeface="+mn-cs"/>
-              </a:defRPr>
-            </a:lvl6pPr>
-            <a:lvl7pPr marL="2228850" indent="-171450" algn="l" defTabSz="342900" rtl="0" eaLnBrk="1" latinLnBrk="0" hangingPunct="1">
-              <a:spcBef>
-                <a:spcPct val="20000"/>
-              </a:spcBef>
-              <a:buFont typeface="Arial"/>
-              <a:buChar char="•"/>
-              <a:defRPr sz="1500" kern="1200">
-                <a:solidFill>
-                  <a:schemeClr val="tx1"/>
-                </a:solidFill>
-                <a:latin typeface="+mn-lt"/>
-                <a:ea typeface="+mn-ea"/>
-                <a:cs typeface="+mn-cs"/>
-              </a:defRPr>
-            </a:lvl7pPr>
-            <a:lvl8pPr marL="2571750" indent="-171450" algn="l" defTabSz="342900" rtl="0" eaLnBrk="1" latinLnBrk="0" hangingPunct="1">
-              <a:spcBef>
-                <a:spcPct val="20000"/>
-              </a:spcBef>
-              <a:buFont typeface="Arial"/>
-              <a:buChar char="•"/>
-              <a:defRPr sz="1500" kern="1200">
-                <a:solidFill>
-                  <a:schemeClr val="tx1"/>
-                </a:solidFill>
-                <a:latin typeface="+mn-lt"/>
-                <a:ea typeface="+mn-ea"/>
-                <a:cs typeface="+mn-cs"/>
-              </a:defRPr>
-            </a:lvl8pPr>
-            <a:lvl9pPr marL="2914650" indent="-171450" algn="l" defTabSz="342900" rtl="0" eaLnBrk="1" latinLnBrk="0" hangingPunct="1">
-              <a:spcBef>
-                <a:spcPct val="20000"/>
-              </a:spcBef>
-              <a:buFont typeface="Arial"/>
-              <a:buChar char="•"/>
-              <a:defRPr sz="1500" kern="1200">
-                <a:solidFill>
-                  <a:schemeClr val="tx1"/>
-                </a:solidFill>
-                <a:latin typeface="+mn-lt"/>
-                <a:ea typeface="+mn-ea"/>
-                <a:cs typeface="+mn-cs"/>
-              </a:defRPr>
-            </a:lvl9pPr>
-          </a:lstStyle>
-          <a:p>
-            <a:pPr marL="173736" lvl="2" indent="-173736">
-              <a:lnSpc>
-                <a:spcPct val="110000"/>
-              </a:lnSpc>
-              <a:spcBef>
-                <a:spcPts val="0"/>
-              </a:spcBef>
-              <a:spcAft>
-                <a:spcPts val="1300"/>
-              </a:spcAft>
-              <a:buClr>
-                <a:srgbClr val="2FC2D9"/>
-              </a:buClr>
-              <a:defRPr/>
-            </a:pPr>
-            <a:r>
-              <a:rPr lang="en-US" dirty="0"/>
-              <a:t>Logical query processing order</a:t>
-            </a:r>
-          </a:p>
-          <a:p>
-            <a:pPr marL="0" indent="0">
-              <a:buNone/>
-            </a:pPr>
-            <a:r>
-              <a:rPr lang="en-US" sz="2000" dirty="0"/>
-              <a:t>1. </a:t>
-            </a:r>
-            <a:r>
-              <a:rPr lang="en-US" dirty="0"/>
-              <a:t>FROM</a:t>
-            </a:r>
-          </a:p>
-          <a:p>
-            <a:pPr marL="0" indent="0">
-              <a:buNone/>
-            </a:pPr>
-            <a:r>
-              <a:rPr lang="en-US" sz="2000" dirty="0"/>
-              <a:t>2. </a:t>
-            </a:r>
-            <a:r>
-              <a:rPr lang="en-US" dirty="0"/>
-              <a:t>WHERE</a:t>
-            </a:r>
-          </a:p>
-          <a:p>
-            <a:pPr marL="0" indent="0">
-              <a:buNone/>
-            </a:pPr>
-            <a:r>
-              <a:rPr lang="en-US" dirty="0"/>
-              <a:t>3. GROUP BY</a:t>
-            </a:r>
-          </a:p>
-          <a:p>
-            <a:pPr marL="0" indent="0">
-              <a:buNone/>
-            </a:pPr>
-            <a:r>
-              <a:rPr lang="en-US" dirty="0"/>
-              <a:t>4. HAVING</a:t>
-            </a:r>
-          </a:p>
-          <a:p>
-            <a:pPr marL="0" indent="0">
-              <a:buNone/>
-            </a:pPr>
-            <a:r>
-              <a:rPr lang="en-US" dirty="0"/>
-              <a:t>5. SELECT</a:t>
-            </a:r>
-          </a:p>
-          <a:p>
-            <a:pPr marL="0" indent="0">
-              <a:buNone/>
-            </a:pPr>
-            <a:r>
-              <a:rPr lang="en-US" dirty="0"/>
-              <a:t>6. ORDER BY</a:t>
-            </a:r>
-          </a:p>
-        </p:txBody>
-      </p:sp>
-      <p:sp>
-        <p:nvSpPr>
-          <p:cNvPr id="4" name="Title 3">
-            <a:extLst>
-              <a:ext uri="{FF2B5EF4-FFF2-40B4-BE49-F238E27FC236}">
-                <a16:creationId xmlns:a16="http://schemas.microsoft.com/office/drawing/2014/main" id="{A35A7C48-D511-4B53-B792-88902490C64E}"/>
-              </a:ext>
-            </a:extLst>
-          </p:cNvPr>
-          <p:cNvSpPr>
-            <a:spLocks noGrp="1"/>
-          </p:cNvSpPr>
-          <p:nvPr>
-            <p:ph type="title"/>
-          </p:nvPr>
-        </p:nvSpPr>
-        <p:spPr/>
-        <p:txBody>
-          <a:bodyPr/>
-          <a:lstStyle/>
-          <a:p>
-            <a:r>
-              <a:rPr lang="en-US" dirty="0"/>
-              <a:t>Foundations of T-SQL</a:t>
-            </a:r>
-          </a:p>
-        </p:txBody>
-      </p:sp>
-      <p:sp>
-        <p:nvSpPr>
-          <p:cNvPr id="6" name="Text Placeholder 5">
-            <a:extLst>
-              <a:ext uri="{FF2B5EF4-FFF2-40B4-BE49-F238E27FC236}">
-                <a16:creationId xmlns:a16="http://schemas.microsoft.com/office/drawing/2014/main" id="{12685357-A7F7-4D02-920F-E763808E0B62}"/>
-              </a:ext>
-            </a:extLst>
-          </p:cNvPr>
-          <p:cNvSpPr>
-            <a:spLocks noGrp="1"/>
-          </p:cNvSpPr>
-          <p:nvPr>
-            <p:ph type="body" sz="quarter" idx="11"/>
-          </p:nvPr>
-        </p:nvSpPr>
-        <p:spPr/>
-        <p:txBody>
-          <a:bodyPr/>
-          <a:lstStyle/>
-          <a:p>
-            <a:r>
-              <a:rPr lang="en-US" dirty="0"/>
-              <a:t>Logical Query Processing Phases</a:t>
-            </a:r>
-          </a:p>
-        </p:txBody>
-      </p:sp>
-      <p:sp>
-        <p:nvSpPr>
-          <p:cNvPr id="2" name="Slide Number Placeholder 1">
-            <a:extLst>
-              <a:ext uri="{FF2B5EF4-FFF2-40B4-BE49-F238E27FC236}">
-                <a16:creationId xmlns:a16="http://schemas.microsoft.com/office/drawing/2014/main" id="{89078BDD-5D29-407B-A753-9B57A6A8A4CB}"/>
-              </a:ext>
-            </a:extLst>
-          </p:cNvPr>
-          <p:cNvSpPr>
-            <a:spLocks noGrp="1"/>
-          </p:cNvSpPr>
-          <p:nvPr>
-            <p:ph type="sldNum" sz="quarter" idx="4"/>
-          </p:nvPr>
-        </p:nvSpPr>
-        <p:spPr/>
-        <p:txBody>
-          <a:bodyPr/>
-          <a:lstStyle/>
-          <a:p>
-            <a:pPr marL="0" marR="0" lvl="0" indent="0" algn="r" defTabSz="342900" rtl="0" eaLnBrk="1" fontAlgn="auto" latinLnBrk="0" hangingPunct="1">
-              <a:lnSpc>
-                <a:spcPct val="100000"/>
-              </a:lnSpc>
-              <a:spcBef>
-                <a:spcPts val="0"/>
-              </a:spcBef>
-              <a:spcAft>
-                <a:spcPts val="0"/>
-              </a:spcAft>
-              <a:buClrTx/>
-              <a:buSzTx/>
-              <a:buFontTx/>
-              <a:buNone/>
-              <a:tabLst/>
-              <a:defRPr/>
-            </a:pPr>
-            <a:fld id="{3A707DD9-E92B-45E8-BE0A-E6B2EDF345EB}" type="slidenum">
-              <a:rPr kumimoji="0" lang="en-US" sz="800" b="1" i="0" u="none" strike="noStrike" kern="1200" cap="none" spc="0" normalizeH="0" baseline="0" noProof="0" smtClean="0">
-                <a:ln>
-                  <a:noFill/>
-                </a:ln>
-                <a:solidFill>
-                  <a:srgbClr val="FEFEFE"/>
-                </a:solidFill>
-                <a:effectLst/>
-                <a:uLnTx/>
-                <a:uFillTx/>
-                <a:latin typeface="Calibri Light"/>
-                <a:ea typeface="+mn-ea"/>
-                <a:cs typeface="+mn-cs"/>
-              </a:rPr>
-              <a:pPr marL="0" marR="0" lvl="0" indent="0" algn="r" defTabSz="342900" rtl="0" eaLnBrk="1" fontAlgn="auto" latinLnBrk="0" hangingPunct="1">
-                <a:lnSpc>
-                  <a:spcPct val="100000"/>
-                </a:lnSpc>
-                <a:spcBef>
-                  <a:spcPts val="0"/>
-                </a:spcBef>
-                <a:spcAft>
-                  <a:spcPts val="0"/>
-                </a:spcAft>
-                <a:buClrTx/>
-                <a:buSzTx/>
-                <a:buFontTx/>
-                <a:buNone/>
-                <a:tabLst/>
-                <a:defRPr/>
-              </a:pPr>
-              <a:t>11</a:t>
-            </a:fld>
-            <a:endParaRPr kumimoji="0" lang="en-US" sz="800" b="1" i="0" u="none" strike="noStrike" kern="1200" cap="none" spc="0" normalizeH="0" baseline="0" noProof="0" dirty="0">
-              <a:ln>
-                <a:noFill/>
-              </a:ln>
-              <a:solidFill>
-                <a:srgbClr val="FEFEFE"/>
-              </a:solidFill>
-              <a:effectLst/>
-              <a:uLnTx/>
-              <a:uFillTx/>
-              <a:latin typeface="Calibri Light"/>
-              <a:ea typeface="+mn-ea"/>
-              <a:cs typeface="+mn-cs"/>
-            </a:endParaRPr>
-          </a:p>
-        </p:txBody>
-      </p:sp>
-    </p:spTree>
-    <p:extLst>
-      <p:ext uri="{BB962C8B-B14F-4D97-AF65-F5344CB8AC3E}">
-        <p14:creationId xmlns:p14="http://schemas.microsoft.com/office/powerpoint/2010/main" val="2494359083"/>
-      </p:ext>
-    </p:extLst>
-  </p:cSld>
-  <p:clrMapOvr>
-    <a:masterClrMapping/>
-  </p:clrMapOvr>
-</p:sld>
-</file>
-
-<file path=ppt/slides/slide12.xml><?xml version="1.0" encoding="utf-8"?>
 <p:sld xmlns:a="http://schemas.openxmlformats.org/drawingml/2006/main" xmlns:r="http://schemas.openxmlformats.org/officeDocument/2006/relationships" xmlns:p="http://schemas.openxmlformats.org/presentationml/2006/main">
   <p:cSld>
     <p:spTree>
@@ -27270,7 +26242,7 @@
 </p:sld>
 </file>
 
-<file path=ppt/slides/slide13.xml><?xml version="1.0" encoding="utf-8"?>
+<file path=ppt/slides/slide12.xml><?xml version="1.0" encoding="utf-8"?>
 <p:sld xmlns:a="http://schemas.openxmlformats.org/drawingml/2006/main" xmlns:r="http://schemas.openxmlformats.org/officeDocument/2006/relationships" xmlns:p="http://schemas.openxmlformats.org/presentationml/2006/main">
   <p:cSld>
     <p:spTree>
@@ -27585,7 +26557,7 @@
                 <a:tabLst/>
                 <a:defRPr/>
               </a:pPr>
-              <a:t>13</a:t>
+              <a:t>12</a:t>
             </a:fld>
             <a:endParaRPr kumimoji="0" lang="en-US" sz="800" b="1" i="0" u="none" strike="noStrike" kern="1200" cap="none" spc="0" normalizeH="0" baseline="0" noProof="0" dirty="0">
               <a:ln>
@@ -27617,7 +26589,7 @@
 </p:sld>
 </file>
 
-<file path=ppt/slides/slide14.xml><?xml version="1.0" encoding="utf-8"?>
+<file path=ppt/slides/slide13.xml><?xml version="1.0" encoding="utf-8"?>
 <p:sld xmlns:a="http://schemas.openxmlformats.org/drawingml/2006/main" xmlns:r="http://schemas.openxmlformats.org/officeDocument/2006/relationships" xmlns:p="http://schemas.openxmlformats.org/presentationml/2006/main">
   <p:cSld>
     <p:spTree>
@@ -27987,7 +26959,7 @@
                 <a:tabLst/>
                 <a:defRPr/>
               </a:pPr>
-              <a:t>14</a:t>
+              <a:t>13</a:t>
             </a:fld>
             <a:endParaRPr kumimoji="0" lang="en-US" sz="800" b="1" i="0" u="none" strike="noStrike" kern="1200" cap="none" spc="0" normalizeH="0" baseline="0" noProof="0" dirty="0">
               <a:ln>
@@ -28019,7 +26991,7 @@
 </p:sld>
 </file>
 
-<file path=ppt/slides/slide15.xml><?xml version="1.0" encoding="utf-8"?>
+<file path=ppt/slides/slide14.xml><?xml version="1.0" encoding="utf-8"?>
 <p:sld xmlns:a="http://schemas.openxmlformats.org/drawingml/2006/main" xmlns:r="http://schemas.openxmlformats.org/officeDocument/2006/relationships" xmlns:p="http://schemas.openxmlformats.org/presentationml/2006/main">
   <p:cSld>
     <p:spTree>
@@ -28292,7 +27264,7 @@
                 <a:tabLst/>
                 <a:defRPr/>
               </a:pPr>
-              <a:t>15</a:t>
+              <a:t>14</a:t>
             </a:fld>
             <a:endParaRPr kumimoji="0" lang="en-US" sz="800" b="1" i="0" u="none" strike="noStrike" kern="1200" cap="none" spc="0" normalizeH="0" baseline="0" noProof="0" dirty="0">
               <a:ln>
@@ -28483,7 +27455,7 @@
 </p:sld>
 </file>
 
-<file path=ppt/slides/slide16.xml><?xml version="1.0" encoding="utf-8"?>
+<file path=ppt/slides/slide15.xml><?xml version="1.0" encoding="utf-8"?>
 <p:sld xmlns:a="http://schemas.openxmlformats.org/drawingml/2006/main" xmlns:r="http://schemas.openxmlformats.org/officeDocument/2006/relationships" xmlns:p="http://schemas.openxmlformats.org/presentationml/2006/main">
   <p:cSld>
     <p:spTree>
@@ -28541,7 +27513,7 @@
 </p:sld>
 </file>
 
-<file path=ppt/slides/slide17.xml><?xml version="1.0" encoding="utf-8"?>
+<file path=ppt/slides/slide16.xml><?xml version="1.0" encoding="utf-8"?>
 <p:sld xmlns:a="http://schemas.openxmlformats.org/drawingml/2006/main" xmlns:r="http://schemas.openxmlformats.org/officeDocument/2006/relationships" xmlns:p="http://schemas.openxmlformats.org/presentationml/2006/main">
   <p:cSld>
     <p:spTree>
@@ -28909,7 +27881,7 @@
             <a:fld id="{3A707DD9-E92B-45E8-BE0A-E6B2EDF345EB}" type="slidenum">
               <a:rPr lang="en-US" smtClean="0"/>
               <a:pPr/>
-              <a:t>17</a:t>
+              <a:t>16</a:t>
             </a:fld>
             <a:endParaRPr lang="en-US" dirty="0"/>
           </a:p>
@@ -29025,7 +27997,7 @@
 </p:sld>
 </file>
 
-<file path=ppt/slides/slide18.xml><?xml version="1.0" encoding="utf-8"?>
+<file path=ppt/slides/slide17.xml><?xml version="1.0" encoding="utf-8"?>
 <p:sld xmlns:a="http://schemas.openxmlformats.org/drawingml/2006/main" xmlns:r="http://schemas.openxmlformats.org/officeDocument/2006/relationships" xmlns:p="http://schemas.openxmlformats.org/presentationml/2006/main">
   <p:cSld>
     <p:spTree>
@@ -29865,7 +28837,7 @@
             <a:fld id="{3A707DD9-E92B-45E8-BE0A-E6B2EDF345EB}" type="slidenum">
               <a:rPr lang="en-US" smtClean="0"/>
               <a:pPr/>
-              <a:t>18</a:t>
+              <a:t>17</a:t>
             </a:fld>
             <a:endParaRPr lang="en-US" dirty="0"/>
           </a:p>
@@ -29884,7 +28856,7 @@
 </p:sld>
 </file>
 
-<file path=ppt/slides/slide19.xml><?xml version="1.0" encoding="utf-8"?>
+<file path=ppt/slides/slide18.xml><?xml version="1.0" encoding="utf-8"?>
 <p:sld xmlns:a="http://schemas.openxmlformats.org/drawingml/2006/main" xmlns:r="http://schemas.openxmlformats.org/officeDocument/2006/relationships" xmlns:p="http://schemas.openxmlformats.org/presentationml/2006/main">
   <p:cSld>
     <p:spTree>
@@ -30194,7 +29166,7 @@
             <a:fld id="{3A707DD9-E92B-45E8-BE0A-E6B2EDF345EB}" type="slidenum">
               <a:rPr lang="en-US" smtClean="0"/>
               <a:pPr/>
-              <a:t>19</a:t>
+              <a:t>18</a:t>
             </a:fld>
             <a:endParaRPr lang="en-US" dirty="0"/>
           </a:p>
@@ -30204,6 +29176,123 @@
     <p:extLst>
       <p:ext uri="{BB962C8B-B14F-4D97-AF65-F5344CB8AC3E}">
         <p14:creationId xmlns:p14="http://schemas.microsoft.com/office/powerpoint/2010/main" val="1492442671"/>
+      </p:ext>
+    </p:extLst>
+  </p:cSld>
+  <p:clrMapOvr>
+    <a:masterClrMapping/>
+  </p:clrMapOvr>
+</p:sld>
+</file>
+
+<file path=ppt/slides/slide19.xml><?xml version="1.0" encoding="utf-8"?>
+<p:sld xmlns:a="http://schemas.openxmlformats.org/drawingml/2006/main" xmlns:r="http://schemas.openxmlformats.org/officeDocument/2006/relationships" xmlns:p="http://schemas.openxmlformats.org/presentationml/2006/main">
+  <p:cSld>
+    <p:spTree>
+      <p:nvGrpSpPr>
+        <p:cNvPr id="1" name=""/>
+        <p:cNvGrpSpPr/>
+        <p:nvPr/>
+      </p:nvGrpSpPr>
+      <p:grpSpPr>
+        <a:xfrm>
+          <a:off x="0" y="0"/>
+          <a:ext cx="0" cy="0"/>
+          <a:chOff x="0" y="0"/>
+          <a:chExt cx="0" cy="0"/>
+        </a:xfrm>
+      </p:grpSpPr>
+      <p:sp>
+        <p:nvSpPr>
+          <p:cNvPr id="2" name="Title 1">
+            <a:extLst>
+              <a:ext uri="{FF2B5EF4-FFF2-40B4-BE49-F238E27FC236}">
+                <a16:creationId xmlns:a16="http://schemas.microsoft.com/office/drawing/2014/main" id="{E7CF6A60-AD43-4341-BBA2-91E41B802302}"/>
+              </a:ext>
+            </a:extLst>
+          </p:cNvPr>
+          <p:cNvSpPr>
+            <a:spLocks noGrp="1"/>
+          </p:cNvSpPr>
+          <p:nvPr>
+            <p:ph type="title"/>
+          </p:nvPr>
+        </p:nvSpPr>
+        <p:spPr/>
+        <p:txBody>
+          <a:bodyPr/>
+          <a:lstStyle/>
+          <a:p>
+            <a:r>
+              <a:rPr lang="en-US" dirty="0"/>
+              <a:t>Filtering and Sorting Data</a:t>
+            </a:r>
+          </a:p>
+        </p:txBody>
+      </p:sp>
+      <p:sp>
+        <p:nvSpPr>
+          <p:cNvPr id="4" name="Text Placeholder 3">
+            <a:extLst>
+              <a:ext uri="{FF2B5EF4-FFF2-40B4-BE49-F238E27FC236}">
+                <a16:creationId xmlns:a16="http://schemas.microsoft.com/office/drawing/2014/main" id="{DA364756-930B-40AC-8BE7-3198B0B03912}"/>
+              </a:ext>
+            </a:extLst>
+          </p:cNvPr>
+          <p:cNvSpPr>
+            <a:spLocks noGrp="1"/>
+          </p:cNvSpPr>
+          <p:nvPr>
+            <p:ph type="body" sz="quarter" idx="11"/>
+          </p:nvPr>
+        </p:nvSpPr>
+        <p:spPr/>
+        <p:txBody>
+          <a:bodyPr/>
+          <a:lstStyle/>
+          <a:p>
+            <a:r>
+              <a:rPr lang="en-US" dirty="0"/>
+              <a:t>Search Arguments</a:t>
+            </a:r>
+            <a:endParaRPr lang="en-US" b="1" dirty="0"/>
+          </a:p>
+        </p:txBody>
+      </p:sp>
+      <p:sp>
+        <p:nvSpPr>
+          <p:cNvPr id="5" name="Slide Number Placeholder 4">
+            <a:extLst>
+              <a:ext uri="{FF2B5EF4-FFF2-40B4-BE49-F238E27FC236}">
+                <a16:creationId xmlns:a16="http://schemas.microsoft.com/office/drawing/2014/main" id="{15F5D176-DDB7-44E3-841D-F7D5157A6F67}"/>
+              </a:ext>
+            </a:extLst>
+          </p:cNvPr>
+          <p:cNvSpPr>
+            <a:spLocks noGrp="1"/>
+          </p:cNvSpPr>
+          <p:nvPr>
+            <p:ph type="sldNum" sz="quarter" idx="4"/>
+          </p:nvPr>
+        </p:nvSpPr>
+        <p:spPr/>
+        <p:txBody>
+          <a:bodyPr/>
+          <a:lstStyle/>
+          <a:p>
+            <a:fld id="{3A707DD9-E92B-45E8-BE0A-E6B2EDF345EB}" type="slidenum">
+              <a:rPr lang="en-US" smtClean="0"/>
+              <a:pPr/>
+              <a:t>19</a:t>
+            </a:fld>
+            <a:endParaRPr lang="en-US" dirty="0"/>
+          </a:p>
+        </p:txBody>
+      </p:sp>
+    </p:spTree>
+    <p:extLst>
+      <p:ext uri="{BB962C8B-B14F-4D97-AF65-F5344CB8AC3E}">
+        <p14:creationId xmlns:p14="http://schemas.microsoft.com/office/powerpoint/2010/main" val="4190115557"/>
       </p:ext>
     </p:extLst>
   </p:cSld>
@@ -31106,123 +30195,6 @@
 </file>
 
 <file path=ppt/slides/slide20.xml><?xml version="1.0" encoding="utf-8"?>
-<p:sld xmlns:a="http://schemas.openxmlformats.org/drawingml/2006/main" xmlns:r="http://schemas.openxmlformats.org/officeDocument/2006/relationships" xmlns:p="http://schemas.openxmlformats.org/presentationml/2006/main">
-  <p:cSld>
-    <p:spTree>
-      <p:nvGrpSpPr>
-        <p:cNvPr id="1" name=""/>
-        <p:cNvGrpSpPr/>
-        <p:nvPr/>
-      </p:nvGrpSpPr>
-      <p:grpSpPr>
-        <a:xfrm>
-          <a:off x="0" y="0"/>
-          <a:ext cx="0" cy="0"/>
-          <a:chOff x="0" y="0"/>
-          <a:chExt cx="0" cy="0"/>
-        </a:xfrm>
-      </p:grpSpPr>
-      <p:sp>
-        <p:nvSpPr>
-          <p:cNvPr id="2" name="Title 1">
-            <a:extLst>
-              <a:ext uri="{FF2B5EF4-FFF2-40B4-BE49-F238E27FC236}">
-                <a16:creationId xmlns:a16="http://schemas.microsoft.com/office/drawing/2014/main" id="{E7CF6A60-AD43-4341-BBA2-91E41B802302}"/>
-              </a:ext>
-            </a:extLst>
-          </p:cNvPr>
-          <p:cNvSpPr>
-            <a:spLocks noGrp="1"/>
-          </p:cNvSpPr>
-          <p:nvPr>
-            <p:ph type="title"/>
-          </p:nvPr>
-        </p:nvSpPr>
-        <p:spPr/>
-        <p:txBody>
-          <a:bodyPr/>
-          <a:lstStyle/>
-          <a:p>
-            <a:r>
-              <a:rPr lang="en-US" dirty="0"/>
-              <a:t>Filtering and Sorting Data</a:t>
-            </a:r>
-          </a:p>
-        </p:txBody>
-      </p:sp>
-      <p:sp>
-        <p:nvSpPr>
-          <p:cNvPr id="4" name="Text Placeholder 3">
-            <a:extLst>
-              <a:ext uri="{FF2B5EF4-FFF2-40B4-BE49-F238E27FC236}">
-                <a16:creationId xmlns:a16="http://schemas.microsoft.com/office/drawing/2014/main" id="{DA364756-930B-40AC-8BE7-3198B0B03912}"/>
-              </a:ext>
-            </a:extLst>
-          </p:cNvPr>
-          <p:cNvSpPr>
-            <a:spLocks noGrp="1"/>
-          </p:cNvSpPr>
-          <p:nvPr>
-            <p:ph type="body" sz="quarter" idx="11"/>
-          </p:nvPr>
-        </p:nvSpPr>
-        <p:spPr/>
-        <p:txBody>
-          <a:bodyPr/>
-          <a:lstStyle/>
-          <a:p>
-            <a:r>
-              <a:rPr lang="en-US" dirty="0"/>
-              <a:t>Search Arguments</a:t>
-            </a:r>
-            <a:endParaRPr lang="en-US" b="1" dirty="0"/>
-          </a:p>
-        </p:txBody>
-      </p:sp>
-      <p:sp>
-        <p:nvSpPr>
-          <p:cNvPr id="5" name="Slide Number Placeholder 4">
-            <a:extLst>
-              <a:ext uri="{FF2B5EF4-FFF2-40B4-BE49-F238E27FC236}">
-                <a16:creationId xmlns:a16="http://schemas.microsoft.com/office/drawing/2014/main" id="{15F5D176-DDB7-44E3-841D-F7D5157A6F67}"/>
-              </a:ext>
-            </a:extLst>
-          </p:cNvPr>
-          <p:cNvSpPr>
-            <a:spLocks noGrp="1"/>
-          </p:cNvSpPr>
-          <p:nvPr>
-            <p:ph type="sldNum" sz="quarter" idx="4"/>
-          </p:nvPr>
-        </p:nvSpPr>
-        <p:spPr/>
-        <p:txBody>
-          <a:bodyPr/>
-          <a:lstStyle/>
-          <a:p>
-            <a:fld id="{3A707DD9-E92B-45E8-BE0A-E6B2EDF345EB}" type="slidenum">
-              <a:rPr lang="en-US" smtClean="0"/>
-              <a:pPr/>
-              <a:t>20</a:t>
-            </a:fld>
-            <a:endParaRPr lang="en-US" dirty="0"/>
-          </a:p>
-        </p:txBody>
-      </p:sp>
-    </p:spTree>
-    <p:extLst>
-      <p:ext uri="{BB962C8B-B14F-4D97-AF65-F5344CB8AC3E}">
-        <p14:creationId xmlns:p14="http://schemas.microsoft.com/office/powerpoint/2010/main" val="4190115557"/>
-      </p:ext>
-    </p:extLst>
-  </p:cSld>
-  <p:clrMapOvr>
-    <a:masterClrMapping/>
-  </p:clrMapOvr>
-</p:sld>
-</file>
-
-<file path=ppt/slides/slide21.xml><?xml version="1.0" encoding="utf-8"?>
 <p:sld xmlns:a="http://schemas.openxmlformats.org/drawingml/2006/main" xmlns:r="http://schemas.openxmlformats.org/officeDocument/2006/relationships" xmlns:p="http://schemas.openxmlformats.org/presentationml/2006/main">
   <p:cSld>
     <p:spTree>
@@ -32817,7 +31789,7 @@
             <a:fld id="{3A707DD9-E92B-45E8-BE0A-E6B2EDF345EB}" type="slidenum">
               <a:rPr lang="en-US" smtClean="0"/>
               <a:pPr/>
-              <a:t>21</a:t>
+              <a:t>20</a:t>
             </a:fld>
             <a:endParaRPr lang="en-US" dirty="0"/>
           </a:p>
@@ -32836,7 +31808,7 @@
 </p:sld>
 </file>
 
-<file path=ppt/slides/slide22.xml><?xml version="1.0" encoding="utf-8"?>
+<file path=ppt/slides/slide21.xml><?xml version="1.0" encoding="utf-8"?>
 <p:sld xmlns:a="http://schemas.openxmlformats.org/drawingml/2006/main" xmlns:r="http://schemas.openxmlformats.org/officeDocument/2006/relationships" xmlns:p="http://schemas.openxmlformats.org/presentationml/2006/main">
   <p:cSld>
     <p:spTree>
@@ -33419,7 +32391,7 @@
             <a:fld id="{3A707DD9-E92B-45E8-BE0A-E6B2EDF345EB}" type="slidenum">
               <a:rPr lang="en-US" smtClean="0"/>
               <a:pPr/>
-              <a:t>22</a:t>
+              <a:t>21</a:t>
             </a:fld>
             <a:endParaRPr lang="en-US" dirty="0"/>
           </a:p>
@@ -33438,7 +32410,7 @@
 </p:sld>
 </file>
 
-<file path=ppt/slides/slide23.xml><?xml version="1.0" encoding="utf-8"?>
+<file path=ppt/slides/slide22.xml><?xml version="1.0" encoding="utf-8"?>
 <p:sld xmlns:a="http://schemas.openxmlformats.org/drawingml/2006/main" xmlns:r="http://schemas.openxmlformats.org/officeDocument/2006/relationships" xmlns:p="http://schemas.openxmlformats.org/presentationml/2006/main">
   <p:cSld>
     <p:spTree>
@@ -33507,7 +32479,7 @@
             <a:fld id="{3A707DD9-E92B-45E8-BE0A-E6B2EDF345EB}" type="slidenum">
               <a:rPr lang="en-US" smtClean="0"/>
               <a:pPr/>
-              <a:t>23</a:t>
+              <a:t>22</a:t>
             </a:fld>
             <a:endParaRPr lang="en-US" dirty="0"/>
           </a:p>
@@ -33685,7 +32657,7 @@
 </p:sld>
 </file>
 
-<file path=ppt/slides/slide24.xml><?xml version="1.0" encoding="utf-8"?>
+<file path=ppt/slides/slide23.xml><?xml version="1.0" encoding="utf-8"?>
 <p:sld xmlns:a="http://schemas.openxmlformats.org/drawingml/2006/main" xmlns:r="http://schemas.openxmlformats.org/officeDocument/2006/relationships" xmlns:p="http://schemas.openxmlformats.org/presentationml/2006/main">
   <p:cSld>
     <p:spTree>
@@ -33743,7 +32715,7 @@
 </p:sld>
 </file>
 
-<file path=ppt/slides/slide25.xml><?xml version="1.0" encoding="utf-8"?>
+<file path=ppt/slides/slide24.xml><?xml version="1.0" encoding="utf-8"?>
 <p:sld xmlns:a="http://schemas.openxmlformats.org/drawingml/2006/main" xmlns:r="http://schemas.openxmlformats.org/officeDocument/2006/relationships" xmlns:p="http://schemas.openxmlformats.org/presentationml/2006/main">
   <p:cSld>
     <p:spTree>
@@ -33867,7 +32839,7 @@
             <a:fld id="{3A707DD9-E92B-45E8-BE0A-E6B2EDF345EB}" type="slidenum">
               <a:rPr lang="en-US" smtClean="0"/>
               <a:pPr/>
-              <a:t>25</a:t>
+              <a:t>24</a:t>
             </a:fld>
             <a:endParaRPr lang="en-US" dirty="0"/>
           </a:p>
@@ -33886,7 +32858,7 @@
 </p:sld>
 </file>
 
-<file path=ppt/slides/slide26.xml><?xml version="1.0" encoding="utf-8"?>
+<file path=ppt/slides/slide25.xml><?xml version="1.0" encoding="utf-8"?>
 <p:sld xmlns:a="http://schemas.openxmlformats.org/drawingml/2006/main" xmlns:r="http://schemas.openxmlformats.org/officeDocument/2006/relationships" xmlns:p="http://schemas.openxmlformats.org/presentationml/2006/main">
   <p:cSld>
     <p:spTree>
@@ -34008,7 +32980,7 @@
             <a:fld id="{3A707DD9-E92B-45E8-BE0A-E6B2EDF345EB}" type="slidenum">
               <a:rPr lang="en-US" smtClean="0"/>
               <a:pPr/>
-              <a:t>26</a:t>
+              <a:t>25</a:t>
             </a:fld>
             <a:endParaRPr lang="en-US" dirty="0"/>
           </a:p>
@@ -34027,7 +32999,7 @@
 </p:sld>
 </file>
 
-<file path=ppt/slides/slide27.xml><?xml version="1.0" encoding="utf-8"?>
+<file path=ppt/slides/slide26.xml><?xml version="1.0" encoding="utf-8"?>
 <p:sld xmlns:a="http://schemas.openxmlformats.org/drawingml/2006/main" xmlns:r="http://schemas.openxmlformats.org/officeDocument/2006/relationships" xmlns:p="http://schemas.openxmlformats.org/presentationml/2006/main">
   <p:cSld>
     <p:spTree>
@@ -34148,7 +33120,7 @@
             <a:fld id="{3A707DD9-E92B-45E8-BE0A-E6B2EDF345EB}" type="slidenum">
               <a:rPr lang="en-US" smtClean="0"/>
               <a:pPr/>
-              <a:t>27</a:t>
+              <a:t>26</a:t>
             </a:fld>
             <a:endParaRPr lang="en-US" dirty="0"/>
           </a:p>
@@ -34167,7 +33139,7 @@
 </p:sld>
 </file>
 
-<file path=ppt/slides/slide28.xml><?xml version="1.0" encoding="utf-8"?>
+<file path=ppt/slides/slide27.xml><?xml version="1.0" encoding="utf-8"?>
 <p:sld xmlns:a="http://schemas.openxmlformats.org/drawingml/2006/main" xmlns:r="http://schemas.openxmlformats.org/officeDocument/2006/relationships" xmlns:p="http://schemas.openxmlformats.org/presentationml/2006/main">
   <p:cSld>
     <p:spTree>
@@ -34288,7 +33260,7 @@
             <a:fld id="{3A707DD9-E92B-45E8-BE0A-E6B2EDF345EB}" type="slidenum">
               <a:rPr lang="en-US" smtClean="0"/>
               <a:pPr/>
-              <a:t>28</a:t>
+              <a:t>27</a:t>
             </a:fld>
             <a:endParaRPr lang="en-US" dirty="0"/>
           </a:p>
@@ -34307,7 +33279,7 @@
 </p:sld>
 </file>
 
-<file path=ppt/slides/slide29.xml><?xml version="1.0" encoding="utf-8"?>
+<file path=ppt/slides/slide28.xml><?xml version="1.0" encoding="utf-8"?>
 <p:sld xmlns:a="http://schemas.openxmlformats.org/drawingml/2006/main" xmlns:r="http://schemas.openxmlformats.org/officeDocument/2006/relationships" xmlns:p="http://schemas.openxmlformats.org/presentationml/2006/main">
   <p:cSld>
     <p:spTree>
@@ -34428,7 +33400,7 @@
             <a:fld id="{3A707DD9-E92B-45E8-BE0A-E6B2EDF345EB}" type="slidenum">
               <a:rPr lang="en-US" smtClean="0"/>
               <a:pPr/>
-              <a:t>29</a:t>
+              <a:t>28</a:t>
             </a:fld>
             <a:endParaRPr lang="en-US" dirty="0"/>
           </a:p>
@@ -34447,65 +33419,7 @@
 </p:sld>
 </file>
 
-<file path=ppt/slides/slide3.xml><?xml version="1.0" encoding="utf-8"?>
-<p:sld xmlns:a="http://schemas.openxmlformats.org/drawingml/2006/main" xmlns:r="http://schemas.openxmlformats.org/officeDocument/2006/relationships" xmlns:p="http://schemas.openxmlformats.org/presentationml/2006/main">
-  <p:cSld>
-    <p:spTree>
-      <p:nvGrpSpPr>
-        <p:cNvPr id="1" name=""/>
-        <p:cNvGrpSpPr/>
-        <p:nvPr/>
-      </p:nvGrpSpPr>
-      <p:grpSpPr>
-        <a:xfrm>
-          <a:off x="0" y="0"/>
-          <a:ext cx="0" cy="0"/>
-          <a:chOff x="0" y="0"/>
-          <a:chExt cx="0" cy="0"/>
-        </a:xfrm>
-      </p:grpSpPr>
-      <p:sp>
-        <p:nvSpPr>
-          <p:cNvPr id="17" name="Title 16">
-            <a:extLst>
-              <a:ext uri="{FF2B5EF4-FFF2-40B4-BE49-F238E27FC236}">
-                <a16:creationId xmlns:a16="http://schemas.microsoft.com/office/drawing/2014/main" id="{0A875B6F-E984-4126-8E18-9E249CBA854D}"/>
-              </a:ext>
-            </a:extLst>
-          </p:cNvPr>
-          <p:cNvSpPr>
-            <a:spLocks noGrp="1"/>
-          </p:cNvSpPr>
-          <p:nvPr>
-            <p:ph type="title"/>
-          </p:nvPr>
-        </p:nvSpPr>
-        <p:spPr/>
-        <p:txBody>
-          <a:bodyPr/>
-          <a:lstStyle/>
-          <a:p>
-            <a:r>
-              <a:rPr lang="en-US" dirty="0"/>
-              <a:t>Foundations of T-SQL</a:t>
-            </a:r>
-          </a:p>
-        </p:txBody>
-      </p:sp>
-    </p:spTree>
-    <p:extLst>
-      <p:ext uri="{BB962C8B-B14F-4D97-AF65-F5344CB8AC3E}">
-        <p14:creationId xmlns:p14="http://schemas.microsoft.com/office/powerpoint/2010/main" val="2705836242"/>
-      </p:ext>
-    </p:extLst>
-  </p:cSld>
-  <p:clrMapOvr>
-    <a:masterClrMapping/>
-  </p:clrMapOvr>
-</p:sld>
-</file>
-
-<file path=ppt/slides/slide30.xml><?xml version="1.0" encoding="utf-8"?>
+<file path=ppt/slides/slide29.xml><?xml version="1.0" encoding="utf-8"?>
 <p:sld xmlns:a="http://schemas.openxmlformats.org/drawingml/2006/main" xmlns:r="http://schemas.openxmlformats.org/officeDocument/2006/relationships" xmlns:p="http://schemas.openxmlformats.org/presentationml/2006/main">
   <p:cSld>
     <p:spTree>
@@ -34603,7 +33517,7 @@
             <a:fld id="{3A707DD9-E92B-45E8-BE0A-E6B2EDF345EB}" type="slidenum">
               <a:rPr lang="en-US" smtClean="0"/>
               <a:pPr/>
-              <a:t>30</a:t>
+              <a:t>29</a:t>
             </a:fld>
             <a:endParaRPr lang="en-US" dirty="0"/>
           </a:p>
@@ -34781,7 +33695,65 @@
 </p:sld>
 </file>
 
-<file path=ppt/slides/slide31.xml><?xml version="1.0" encoding="utf-8"?>
+<file path=ppt/slides/slide3.xml><?xml version="1.0" encoding="utf-8"?>
+<p:sld xmlns:a="http://schemas.openxmlformats.org/drawingml/2006/main" xmlns:r="http://schemas.openxmlformats.org/officeDocument/2006/relationships" xmlns:p="http://schemas.openxmlformats.org/presentationml/2006/main">
+  <p:cSld>
+    <p:spTree>
+      <p:nvGrpSpPr>
+        <p:cNvPr id="1" name=""/>
+        <p:cNvGrpSpPr/>
+        <p:nvPr/>
+      </p:nvGrpSpPr>
+      <p:grpSpPr>
+        <a:xfrm>
+          <a:off x="0" y="0"/>
+          <a:ext cx="0" cy="0"/>
+          <a:chOff x="0" y="0"/>
+          <a:chExt cx="0" cy="0"/>
+        </a:xfrm>
+      </p:grpSpPr>
+      <p:sp>
+        <p:nvSpPr>
+          <p:cNvPr id="17" name="Title 16">
+            <a:extLst>
+              <a:ext uri="{FF2B5EF4-FFF2-40B4-BE49-F238E27FC236}">
+                <a16:creationId xmlns:a16="http://schemas.microsoft.com/office/drawing/2014/main" id="{0A875B6F-E984-4126-8E18-9E249CBA854D}"/>
+              </a:ext>
+            </a:extLst>
+          </p:cNvPr>
+          <p:cNvSpPr>
+            <a:spLocks noGrp="1"/>
+          </p:cNvSpPr>
+          <p:nvPr>
+            <p:ph type="title"/>
+          </p:nvPr>
+        </p:nvSpPr>
+        <p:spPr/>
+        <p:txBody>
+          <a:bodyPr/>
+          <a:lstStyle/>
+          <a:p>
+            <a:r>
+              <a:rPr lang="en-US" dirty="0"/>
+              <a:t>Foundations of T-SQL</a:t>
+            </a:r>
+          </a:p>
+        </p:txBody>
+      </p:sp>
+    </p:spTree>
+    <p:extLst>
+      <p:ext uri="{BB962C8B-B14F-4D97-AF65-F5344CB8AC3E}">
+        <p14:creationId xmlns:p14="http://schemas.microsoft.com/office/powerpoint/2010/main" val="2705836242"/>
+      </p:ext>
+    </p:extLst>
+  </p:cSld>
+  <p:clrMapOvr>
+    <a:masterClrMapping/>
+  </p:clrMapOvr>
+</p:sld>
+</file>
+
+<file path=ppt/slides/slide30.xml><?xml version="1.0" encoding="utf-8"?>
 <p:sld xmlns:a="http://schemas.openxmlformats.org/drawingml/2006/main" xmlns:r="http://schemas.openxmlformats.org/officeDocument/2006/relationships" xmlns:p="http://schemas.openxmlformats.org/presentationml/2006/main">
   <p:cSld>
     <p:spTree>
@@ -34840,7 +33812,7 @@
 </p:sld>
 </file>
 
-<file path=ppt/slides/slide32.xml><?xml version="1.0" encoding="utf-8"?>
+<file path=ppt/slides/slide31.xml><?xml version="1.0" encoding="utf-8"?>
 <p:sld xmlns:a="http://schemas.openxmlformats.org/drawingml/2006/main" xmlns:r="http://schemas.openxmlformats.org/officeDocument/2006/relationships" xmlns:p="http://schemas.openxmlformats.org/presentationml/2006/main">
   <p:cSld>
     <p:spTree>
@@ -35051,7 +34023,7 @@
                 <a:tabLst/>
                 <a:defRPr/>
               </a:pPr>
-              <a:t>32</a:t>
+              <a:t>31</a:t>
             </a:fld>
             <a:endParaRPr kumimoji="0" lang="en-US" sz="800" b="1" i="0" u="none" strike="noStrike" kern="1200" cap="none" spc="0" normalizeH="0" baseline="0" noProof="0" dirty="0">
               <a:ln>
@@ -35083,7 +34055,7 @@
 </p:sld>
 </file>
 
-<file path=ppt/slides/slide33.xml><?xml version="1.0" encoding="utf-8"?>
+<file path=ppt/slides/slide32.xml><?xml version="1.0" encoding="utf-8"?>
 <p:sld xmlns:a="http://schemas.openxmlformats.org/drawingml/2006/main" xmlns:r="http://schemas.openxmlformats.org/officeDocument/2006/relationships" xmlns:p="http://schemas.openxmlformats.org/presentationml/2006/main">
   <p:cSld>
     <p:spTree>
@@ -35357,7 +34329,7 @@
                 <a:tabLst/>
                 <a:defRPr/>
               </a:pPr>
-              <a:t>33</a:t>
+              <a:t>32</a:t>
             </a:fld>
             <a:endParaRPr kumimoji="0" lang="en-US" sz="800" b="1" i="0" u="none" strike="noStrike" kern="1200" cap="none" spc="0" normalizeH="0" baseline="0" noProof="0" dirty="0">
               <a:ln>
@@ -35380,6 +34352,64 @@
     <p:extLst>
       <p:ext uri="{BB962C8B-B14F-4D97-AF65-F5344CB8AC3E}">
         <p14:creationId xmlns:p14="http://schemas.microsoft.com/office/powerpoint/2010/main" val="1628014369"/>
+      </p:ext>
+    </p:extLst>
+  </p:cSld>
+  <p:clrMapOvr>
+    <a:masterClrMapping/>
+  </p:clrMapOvr>
+</p:sld>
+</file>
+
+<file path=ppt/slides/slide33.xml><?xml version="1.0" encoding="utf-8"?>
+<p:sld xmlns:a="http://schemas.openxmlformats.org/drawingml/2006/main" xmlns:r="http://schemas.openxmlformats.org/officeDocument/2006/relationships" xmlns:p="http://schemas.openxmlformats.org/presentationml/2006/main">
+  <p:cSld>
+    <p:spTree>
+      <p:nvGrpSpPr>
+        <p:cNvPr id="1" name=""/>
+        <p:cNvGrpSpPr/>
+        <p:nvPr/>
+      </p:nvGrpSpPr>
+      <p:grpSpPr>
+        <a:xfrm>
+          <a:off x="0" y="0"/>
+          <a:ext cx="0" cy="0"/>
+          <a:chOff x="0" y="0"/>
+          <a:chExt cx="0" cy="0"/>
+        </a:xfrm>
+      </p:grpSpPr>
+      <p:sp>
+        <p:nvSpPr>
+          <p:cNvPr id="17" name="Title 16">
+            <a:extLst>
+              <a:ext uri="{FF2B5EF4-FFF2-40B4-BE49-F238E27FC236}">
+                <a16:creationId xmlns:a16="http://schemas.microsoft.com/office/drawing/2014/main" id="{0A875B6F-E984-4126-8E18-9E249CBA854D}"/>
+              </a:ext>
+            </a:extLst>
+          </p:cNvPr>
+          <p:cNvSpPr>
+            <a:spLocks noGrp="1"/>
+          </p:cNvSpPr>
+          <p:nvPr>
+            <p:ph type="title"/>
+          </p:nvPr>
+        </p:nvSpPr>
+        <p:spPr/>
+        <p:txBody>
+          <a:bodyPr/>
+          <a:lstStyle/>
+          <a:p>
+            <a:r>
+              <a:rPr lang="en-US" dirty="0"/>
+              <a:t>Adventure Works DB</a:t>
+            </a:r>
+          </a:p>
+        </p:txBody>
+      </p:sp>
+    </p:spTree>
+    <p:extLst>
+      <p:ext uri="{BB962C8B-B14F-4D97-AF65-F5344CB8AC3E}">
+        <p14:creationId xmlns:p14="http://schemas.microsoft.com/office/powerpoint/2010/main" val="3234995565"/>
       </p:ext>
     </p:extLst>
   </p:cSld>
@@ -35437,7 +34467,7 @@
     </p:spTree>
     <p:extLst>
       <p:ext uri="{BB962C8B-B14F-4D97-AF65-F5344CB8AC3E}">
-        <p14:creationId xmlns:p14="http://schemas.microsoft.com/office/powerpoint/2010/main" val="3234995565"/>
+        <p14:creationId xmlns:p14="http://schemas.microsoft.com/office/powerpoint/2010/main" val="2661533891"/>
       </p:ext>
     </p:extLst>
   </p:cSld>
@@ -36789,341 +35819,6 @@
       </p:grpSpPr>
       <p:sp>
         <p:nvSpPr>
-          <p:cNvPr id="2" name="Title 1">
-            <a:extLst>
-              <a:ext uri="{FF2B5EF4-FFF2-40B4-BE49-F238E27FC236}">
-                <a16:creationId xmlns:a16="http://schemas.microsoft.com/office/drawing/2014/main" id="{731F5032-DC9C-4D57-9577-7A2DA4A08BDD}"/>
-              </a:ext>
-            </a:extLst>
-          </p:cNvPr>
-          <p:cNvSpPr>
-            <a:spLocks noGrp="1"/>
-          </p:cNvSpPr>
-          <p:nvPr>
-            <p:ph type="title"/>
-          </p:nvPr>
-        </p:nvSpPr>
-        <p:spPr/>
-        <p:txBody>
-          <a:bodyPr/>
-          <a:lstStyle/>
-          <a:p>
-            <a:r>
-              <a:rPr lang="en-US" dirty="0"/>
-              <a:t>Foundations of T-SQL</a:t>
-            </a:r>
-          </a:p>
-        </p:txBody>
-      </p:sp>
-      <p:sp>
-        <p:nvSpPr>
-          <p:cNvPr id="7" name="Text Placeholder 6">
-            <a:extLst>
-              <a:ext uri="{FF2B5EF4-FFF2-40B4-BE49-F238E27FC236}">
-                <a16:creationId xmlns:a16="http://schemas.microsoft.com/office/drawing/2014/main" id="{9993D213-C70B-47A0-9835-B808F302A631}"/>
-              </a:ext>
-            </a:extLst>
-          </p:cNvPr>
-          <p:cNvSpPr>
-            <a:spLocks noGrp="1"/>
-          </p:cNvSpPr>
-          <p:nvPr>
-            <p:ph type="body" sz="quarter" idx="11"/>
-          </p:nvPr>
-        </p:nvSpPr>
-        <p:spPr/>
-        <p:txBody>
-          <a:bodyPr/>
-          <a:lstStyle/>
-          <a:p>
-            <a:r>
-              <a:rPr lang="en-US" b="1" dirty="0"/>
-              <a:t>Using T-SQL in a Relational Way</a:t>
-            </a:r>
-            <a:endParaRPr lang="en-US" dirty="0"/>
-          </a:p>
-        </p:txBody>
-      </p:sp>
-      <p:grpSp>
-        <p:nvGrpSpPr>
-          <p:cNvPr id="13" name="Group 12">
-            <a:extLst>
-              <a:ext uri="{FF2B5EF4-FFF2-40B4-BE49-F238E27FC236}">
-                <a16:creationId xmlns:a16="http://schemas.microsoft.com/office/drawing/2014/main" id="{78F1A3F5-0E3D-470D-9636-ED3B9CD4DF6C}"/>
-              </a:ext>
-            </a:extLst>
-          </p:cNvPr>
-          <p:cNvGrpSpPr/>
-          <p:nvPr/>
-        </p:nvGrpSpPr>
-        <p:grpSpPr>
-          <a:xfrm>
-            <a:off x="3323326" y="1800997"/>
-            <a:ext cx="1950959" cy="1920104"/>
-            <a:chOff x="6855594" y="4322405"/>
-            <a:chExt cx="1950959" cy="1920104"/>
-          </a:xfrm>
-        </p:grpSpPr>
-        <p:sp>
-          <p:nvSpPr>
-            <p:cNvPr id="14" name="Oval 13">
-              <a:extLst>
-                <a:ext uri="{FF2B5EF4-FFF2-40B4-BE49-F238E27FC236}">
-                  <a16:creationId xmlns:a16="http://schemas.microsoft.com/office/drawing/2014/main" id="{A8376A4C-3E66-48C1-9440-67EAEDB21059}"/>
-                </a:ext>
-              </a:extLst>
-            </p:cNvPr>
-            <p:cNvSpPr/>
-            <p:nvPr/>
-          </p:nvSpPr>
-          <p:spPr>
-            <a:xfrm>
-              <a:off x="6855594" y="4322405"/>
-              <a:ext cx="1920106" cy="1920104"/>
-            </a:xfrm>
-            <a:prstGeom prst="ellipse">
-              <a:avLst/>
-            </a:prstGeom>
-            <a:solidFill>
-              <a:schemeClr val="accent4"/>
-            </a:solidFill>
-            <a:ln>
-              <a:noFill/>
-            </a:ln>
-            <a:effectLst/>
-          </p:spPr>
-          <p:style>
-            <a:lnRef idx="1">
-              <a:schemeClr val="accent1"/>
-            </a:lnRef>
-            <a:fillRef idx="3">
-              <a:schemeClr val="accent1"/>
-            </a:fillRef>
-            <a:effectRef idx="2">
-              <a:schemeClr val="accent1"/>
-            </a:effectRef>
-            <a:fontRef idx="minor">
-              <a:schemeClr val="lt1"/>
-            </a:fontRef>
-          </p:style>
-          <p:txBody>
-            <a:bodyPr rtlCol="0" anchor="ctr"/>
-            <a:lstStyle/>
-            <a:p>
-              <a:pPr algn="ctr"/>
-              <a:endParaRPr lang="en-US"/>
-            </a:p>
-          </p:txBody>
-        </p:sp>
-        <p:sp>
-          <p:nvSpPr>
-            <p:cNvPr id="15" name="TextBox 14">
-              <a:extLst>
-                <a:ext uri="{FF2B5EF4-FFF2-40B4-BE49-F238E27FC236}">
-                  <a16:creationId xmlns:a16="http://schemas.microsoft.com/office/drawing/2014/main" id="{B59F6B1D-106D-44EB-BCD1-9DD8AC512FFC}"/>
-                </a:ext>
-              </a:extLst>
-            </p:cNvPr>
-            <p:cNvSpPr txBox="1"/>
-            <p:nvPr/>
-          </p:nvSpPr>
-          <p:spPr>
-            <a:xfrm>
-              <a:off x="6855594" y="4998566"/>
-              <a:ext cx="1950959" cy="1147198"/>
-            </a:xfrm>
-            <a:prstGeom prst="rect">
-              <a:avLst/>
-            </a:prstGeom>
-            <a:noFill/>
-          </p:spPr>
-          <p:txBody>
-            <a:bodyPr wrap="none" rtlCol="0">
-              <a:noAutofit/>
-            </a:bodyPr>
-            <a:lstStyle/>
-            <a:p>
-              <a:pPr algn="ctr"/>
-              <a:r>
-                <a:rPr lang="en-US" sz="3200" b="1" dirty="0">
-                  <a:solidFill>
-                    <a:srgbClr val="FFFFFF"/>
-                  </a:solidFill>
-                  <a:latin typeface="Arial Black"/>
-                  <a:cs typeface="Arial Black"/>
-                </a:rPr>
-                <a:t>DEMO</a:t>
-              </a:r>
-            </a:p>
-            <a:p>
-              <a:pPr algn="ctr">
-                <a:lnSpc>
-                  <a:spcPct val="130000"/>
-                </a:lnSpc>
-              </a:pPr>
-              <a:r>
-                <a:rPr lang="en-US" sz="1100" dirty="0">
-                  <a:solidFill>
-                    <a:srgbClr val="FFFFFF"/>
-                  </a:solidFill>
-                  <a:latin typeface="Arial Black"/>
-                  <a:cs typeface="Arial Black"/>
-                </a:rPr>
-                <a:t> </a:t>
-              </a:r>
-            </a:p>
-            <a:p>
-              <a:pPr algn="ctr"/>
-              <a:br>
-                <a:rPr lang="en-US" sz="800" dirty="0">
-                  <a:solidFill>
-                    <a:srgbClr val="FFFFFF"/>
-                  </a:solidFill>
-                  <a:latin typeface="Arial"/>
-                  <a:cs typeface="Arial"/>
-                </a:rPr>
-              </a:br>
-              <a:br>
-                <a:rPr lang="en-US" sz="800" dirty="0">
-                  <a:solidFill>
-                    <a:srgbClr val="FFFFFF"/>
-                  </a:solidFill>
-                  <a:latin typeface="Arial"/>
-                  <a:cs typeface="Arial"/>
-                </a:rPr>
-              </a:br>
-              <a:endParaRPr lang="en-US" sz="800" dirty="0">
-                <a:solidFill>
-                  <a:srgbClr val="FFFFFF"/>
-                </a:solidFill>
-                <a:latin typeface="Arial"/>
-                <a:cs typeface="Arial"/>
-              </a:endParaRPr>
-            </a:p>
-          </p:txBody>
-        </p:sp>
-      </p:grpSp>
-      <p:sp>
-        <p:nvSpPr>
-          <p:cNvPr id="3" name="Slide Number Placeholder 2">
-            <a:extLst>
-              <a:ext uri="{FF2B5EF4-FFF2-40B4-BE49-F238E27FC236}">
-                <a16:creationId xmlns:a16="http://schemas.microsoft.com/office/drawing/2014/main" id="{2B19A564-FAD5-4EB6-B89D-1AB655325E81}"/>
-              </a:ext>
-            </a:extLst>
-          </p:cNvPr>
-          <p:cNvSpPr>
-            <a:spLocks noGrp="1"/>
-          </p:cNvSpPr>
-          <p:nvPr>
-            <p:ph type="sldNum" sz="quarter" idx="4"/>
-          </p:nvPr>
-        </p:nvSpPr>
-        <p:spPr/>
-        <p:txBody>
-          <a:bodyPr/>
-          <a:lstStyle/>
-          <a:p>
-            <a:pPr marL="0" marR="0" lvl="0" indent="0" algn="r" defTabSz="342900" rtl="0" eaLnBrk="1" fontAlgn="auto" latinLnBrk="0" hangingPunct="1">
-              <a:lnSpc>
-                <a:spcPct val="100000"/>
-              </a:lnSpc>
-              <a:spcBef>
-                <a:spcPts val="0"/>
-              </a:spcBef>
-              <a:spcAft>
-                <a:spcPts val="0"/>
-              </a:spcAft>
-              <a:buClrTx/>
-              <a:buSzTx/>
-              <a:buFontTx/>
-              <a:buNone/>
-              <a:tabLst/>
-              <a:defRPr/>
-            </a:pPr>
-            <a:fld id="{3A707DD9-E92B-45E8-BE0A-E6B2EDF345EB}" type="slidenum">
-              <a:rPr kumimoji="0" lang="en-US" sz="800" b="1" i="0" u="none" strike="noStrike" kern="1200" cap="none" spc="0" normalizeH="0" baseline="0" noProof="0" smtClean="0">
-                <a:ln>
-                  <a:noFill/>
-                </a:ln>
-                <a:solidFill>
-                  <a:srgbClr val="FEFEFE"/>
-                </a:solidFill>
-                <a:effectLst/>
-                <a:uLnTx/>
-                <a:uFillTx/>
-                <a:latin typeface="Calibri Light"/>
-                <a:ea typeface="+mn-ea"/>
-                <a:cs typeface="+mn-cs"/>
-              </a:rPr>
-              <a:pPr marL="0" marR="0" lvl="0" indent="0" algn="r" defTabSz="342900" rtl="0" eaLnBrk="1" fontAlgn="auto" latinLnBrk="0" hangingPunct="1">
-                <a:lnSpc>
-                  <a:spcPct val="100000"/>
-                </a:lnSpc>
-                <a:spcBef>
-                  <a:spcPts val="0"/>
-                </a:spcBef>
-                <a:spcAft>
-                  <a:spcPts val="0"/>
-                </a:spcAft>
-                <a:buClrTx/>
-                <a:buSzTx/>
-                <a:buFontTx/>
-                <a:buNone/>
-                <a:tabLst/>
-                <a:defRPr/>
-              </a:pPr>
-              <a:t>8</a:t>
-            </a:fld>
-            <a:endParaRPr kumimoji="0" lang="en-US" sz="800" b="1" i="0" u="none" strike="noStrike" kern="1200" cap="none" spc="0" normalizeH="0" baseline="0" noProof="0" dirty="0">
-              <a:ln>
-                <a:noFill/>
-              </a:ln>
-              <a:solidFill>
-                <a:srgbClr val="FEFEFE"/>
-              </a:solidFill>
-              <a:effectLst/>
-              <a:uLnTx/>
-              <a:uFillTx/>
-              <a:latin typeface="Calibri Light"/>
-              <a:ea typeface="+mn-ea"/>
-              <a:cs typeface="+mn-cs"/>
-            </a:endParaRPr>
-          </a:p>
-        </p:txBody>
-      </p:sp>
-    </p:spTree>
-    <p:extLst>
-      <p:ext uri="{BB962C8B-B14F-4D97-AF65-F5344CB8AC3E}">
-        <p14:creationId xmlns:p14="http://schemas.microsoft.com/office/powerpoint/2010/main" val="2832165637"/>
-      </p:ext>
-    </p:extLst>
-  </p:cSld>
-  <p:clrMapOvr>
-    <a:masterClrMapping/>
-  </p:clrMapOvr>
-</p:sld>
-</file>
-
-<file path=ppt/slides/slide9.xml><?xml version="1.0" encoding="utf-8"?>
-<p:sld xmlns:a="http://schemas.openxmlformats.org/drawingml/2006/main" xmlns:r="http://schemas.openxmlformats.org/officeDocument/2006/relationships" xmlns:p="http://schemas.openxmlformats.org/presentationml/2006/main">
-  <p:cSld>
-    <p:spTree>
-      <p:nvGrpSpPr>
-        <p:cNvPr id="1" name=""/>
-        <p:cNvGrpSpPr/>
-        <p:nvPr/>
-      </p:nvGrpSpPr>
-      <p:grpSpPr>
-        <a:xfrm>
-          <a:off x="0" y="0"/>
-          <a:ext cx="0" cy="0"/>
-          <a:chOff x="0" y="0"/>
-          <a:chExt cx="0" cy="0"/>
-        </a:xfrm>
-      </p:grpSpPr>
-      <p:sp>
-        <p:nvSpPr>
           <p:cNvPr id="14" name="Content Placeholder 13">
             <a:extLst>
               <a:ext uri="{FF2B5EF4-FFF2-40B4-BE49-F238E27FC236}">
@@ -37806,6 +36501,928 @@
                 <a:tabLst/>
                 <a:defRPr/>
               </a:pPr>
+              <a:t>8</a:t>
+            </a:fld>
+            <a:endParaRPr kumimoji="0" lang="en-US" sz="800" b="1" i="0" u="none" strike="noStrike" kern="1200" cap="none" spc="0" normalizeH="0" baseline="0" noProof="0" dirty="0">
+              <a:ln>
+                <a:noFill/>
+              </a:ln>
+              <a:solidFill>
+                <a:srgbClr val="FEFEFE"/>
+              </a:solidFill>
+              <a:effectLst/>
+              <a:uLnTx/>
+              <a:uFillTx/>
+              <a:latin typeface="Calibri Light"/>
+              <a:ea typeface="+mn-ea"/>
+              <a:cs typeface="+mn-cs"/>
+            </a:endParaRPr>
+          </a:p>
+        </p:txBody>
+      </p:sp>
+    </p:spTree>
+    <p:extLst>
+      <p:ext uri="{BB962C8B-B14F-4D97-AF65-F5344CB8AC3E}">
+        <p14:creationId xmlns:p14="http://schemas.microsoft.com/office/powerpoint/2010/main" val="3240555118"/>
+      </p:ext>
+    </p:extLst>
+  </p:cSld>
+  <p:clrMapOvr>
+    <a:masterClrMapping/>
+  </p:clrMapOvr>
+</p:sld>
+</file>
+
+<file path=ppt/slides/slide9.xml><?xml version="1.0" encoding="utf-8"?>
+<p:sld xmlns:a="http://schemas.openxmlformats.org/drawingml/2006/main" xmlns:r="http://schemas.openxmlformats.org/officeDocument/2006/relationships" xmlns:p="http://schemas.openxmlformats.org/presentationml/2006/main">
+  <p:cSld>
+    <p:spTree>
+      <p:nvGrpSpPr>
+        <p:cNvPr id="1" name=""/>
+        <p:cNvGrpSpPr/>
+        <p:nvPr/>
+      </p:nvGrpSpPr>
+      <p:grpSpPr>
+        <a:xfrm>
+          <a:off x="0" y="0"/>
+          <a:ext cx="0" cy="0"/>
+          <a:chOff x="0" y="0"/>
+          <a:chExt cx="0" cy="0"/>
+        </a:xfrm>
+      </p:grpSpPr>
+      <p:sp>
+        <p:nvSpPr>
+          <p:cNvPr id="8" name="TextBox 7"/>
+          <p:cNvSpPr txBox="1"/>
+          <p:nvPr/>
+        </p:nvSpPr>
+        <p:spPr>
+          <a:xfrm>
+            <a:off x="3316182" y="2236704"/>
+            <a:ext cx="1950959" cy="1147198"/>
+          </a:xfrm>
+          <a:prstGeom prst="rect">
+            <a:avLst/>
+          </a:prstGeom>
+          <a:noFill/>
+        </p:spPr>
+        <p:txBody>
+          <a:bodyPr wrap="none" rtlCol="0">
+            <a:noAutofit/>
+          </a:bodyPr>
+          <a:lstStyle/>
+          <a:p>
+            <a:pPr algn="ctr"/>
+            <a:r>
+              <a:rPr lang="en-US" sz="3200" b="1">
+                <a:solidFill>
+                  <a:srgbClr val="FFFFFF"/>
+                </a:solidFill>
+                <a:latin typeface="Arial Black"/>
+                <a:cs typeface="Arial Black"/>
+              </a:rPr>
+              <a:t>DEMO</a:t>
+            </a:r>
+          </a:p>
+          <a:p>
+            <a:pPr algn="ctr">
+              <a:lnSpc>
+                <a:spcPct val="130000"/>
+              </a:lnSpc>
+            </a:pPr>
+            <a:r>
+              <a:rPr lang="en-US" sz="1100">
+                <a:solidFill>
+                  <a:srgbClr val="FFFFFF"/>
+                </a:solidFill>
+                <a:latin typeface="Arial Black"/>
+                <a:cs typeface="Arial Black"/>
+              </a:rPr>
+              <a:t> </a:t>
+            </a:r>
+          </a:p>
+          <a:p>
+            <a:pPr algn="ctr"/>
+            <a:br>
+              <a:rPr lang="en-US" sz="800">
+                <a:solidFill>
+                  <a:srgbClr val="FFFFFF"/>
+                </a:solidFill>
+                <a:latin typeface="Arial"/>
+                <a:cs typeface="Arial"/>
+              </a:rPr>
+            </a:br>
+            <a:br>
+              <a:rPr lang="en-US" sz="800">
+                <a:solidFill>
+                  <a:srgbClr val="FFFFFF"/>
+                </a:solidFill>
+                <a:latin typeface="Arial"/>
+                <a:cs typeface="Arial"/>
+              </a:rPr>
+            </a:br>
+            <a:endParaRPr lang="en-US" sz="800">
+              <a:solidFill>
+                <a:srgbClr val="FFFFFF"/>
+              </a:solidFill>
+              <a:latin typeface="Arial"/>
+              <a:cs typeface="Arial"/>
+            </a:endParaRPr>
+          </a:p>
+        </p:txBody>
+      </p:sp>
+      <p:sp>
+        <p:nvSpPr>
+          <p:cNvPr id="7" name="Content Placeholder 2"/>
+          <p:cNvSpPr txBox="1">
+            <a:spLocks/>
+          </p:cNvSpPr>
+          <p:nvPr/>
+        </p:nvSpPr>
+        <p:spPr>
+          <a:xfrm>
+            <a:off x="236117" y="1485900"/>
+            <a:ext cx="3931920" cy="3657600"/>
+          </a:xfrm>
+          <a:prstGeom prst="rect">
+            <a:avLst/>
+          </a:prstGeom>
+        </p:spPr>
+        <p:txBody>
+          <a:bodyPr/>
+          <a:lstStyle>
+            <a:lvl1pPr marL="257175" indent="-257175" algn="l" defTabSz="342900" rtl="0" eaLnBrk="1" latinLnBrk="0" hangingPunct="1">
+              <a:spcBef>
+                <a:spcPct val="20000"/>
+              </a:spcBef>
+              <a:buFont typeface="Arial"/>
+              <a:buChar char="•"/>
+              <a:defRPr sz="2400" kern="1200">
+                <a:solidFill>
+                  <a:schemeClr val="tx1"/>
+                </a:solidFill>
+                <a:latin typeface="+mn-lt"/>
+                <a:ea typeface="+mn-ea"/>
+                <a:cs typeface="+mn-cs"/>
+              </a:defRPr>
+            </a:lvl1pPr>
+            <a:lvl2pPr marL="557213" indent="-214313" algn="l" defTabSz="342900" rtl="0" eaLnBrk="1" latinLnBrk="0" hangingPunct="1">
+              <a:spcBef>
+                <a:spcPct val="20000"/>
+              </a:spcBef>
+              <a:buFont typeface="Arial"/>
+              <a:buChar char="–"/>
+              <a:defRPr sz="2100" kern="1200">
+                <a:solidFill>
+                  <a:schemeClr val="tx1"/>
+                </a:solidFill>
+                <a:latin typeface="+mn-lt"/>
+                <a:ea typeface="+mn-ea"/>
+                <a:cs typeface="+mn-cs"/>
+              </a:defRPr>
+            </a:lvl2pPr>
+            <a:lvl3pPr marL="857250" indent="-171450" algn="l" defTabSz="342900" rtl="0" eaLnBrk="1" latinLnBrk="0" hangingPunct="1">
+              <a:spcBef>
+                <a:spcPct val="20000"/>
+              </a:spcBef>
+              <a:buFont typeface="Arial"/>
+              <a:buChar char="•"/>
+              <a:defRPr sz="1800" kern="1200">
+                <a:solidFill>
+                  <a:schemeClr val="tx1"/>
+                </a:solidFill>
+                <a:latin typeface="+mn-lt"/>
+                <a:ea typeface="+mn-ea"/>
+                <a:cs typeface="+mn-cs"/>
+              </a:defRPr>
+            </a:lvl3pPr>
+            <a:lvl4pPr marL="1200150" indent="-171450" algn="l" defTabSz="342900" rtl="0" eaLnBrk="1" latinLnBrk="0" hangingPunct="1">
+              <a:spcBef>
+                <a:spcPct val="20000"/>
+              </a:spcBef>
+              <a:buFont typeface="Arial"/>
+              <a:buChar char="–"/>
+              <a:defRPr sz="1500" kern="1200">
+                <a:solidFill>
+                  <a:schemeClr val="tx1"/>
+                </a:solidFill>
+                <a:latin typeface="+mn-lt"/>
+                <a:ea typeface="+mn-ea"/>
+                <a:cs typeface="+mn-cs"/>
+              </a:defRPr>
+            </a:lvl4pPr>
+            <a:lvl5pPr marL="1543050" indent="-171450" algn="l" defTabSz="342900" rtl="0" eaLnBrk="1" latinLnBrk="0" hangingPunct="1">
+              <a:spcBef>
+                <a:spcPct val="20000"/>
+              </a:spcBef>
+              <a:buFont typeface="Arial"/>
+              <a:buChar char="»"/>
+              <a:defRPr sz="1500" kern="1200">
+                <a:solidFill>
+                  <a:schemeClr val="tx1"/>
+                </a:solidFill>
+                <a:latin typeface="+mn-lt"/>
+                <a:ea typeface="+mn-ea"/>
+                <a:cs typeface="+mn-cs"/>
+              </a:defRPr>
+            </a:lvl5pPr>
+            <a:lvl6pPr marL="1885950" indent="-171450" algn="l" defTabSz="342900" rtl="0" eaLnBrk="1" latinLnBrk="0" hangingPunct="1">
+              <a:spcBef>
+                <a:spcPct val="20000"/>
+              </a:spcBef>
+              <a:buFont typeface="Arial"/>
+              <a:buChar char="•"/>
+              <a:defRPr sz="1500" kern="1200">
+                <a:solidFill>
+                  <a:schemeClr val="tx1"/>
+                </a:solidFill>
+                <a:latin typeface="+mn-lt"/>
+                <a:ea typeface="+mn-ea"/>
+                <a:cs typeface="+mn-cs"/>
+              </a:defRPr>
+            </a:lvl6pPr>
+            <a:lvl7pPr marL="2228850" indent="-171450" algn="l" defTabSz="342900" rtl="0" eaLnBrk="1" latinLnBrk="0" hangingPunct="1">
+              <a:spcBef>
+                <a:spcPct val="20000"/>
+              </a:spcBef>
+              <a:buFont typeface="Arial"/>
+              <a:buChar char="•"/>
+              <a:defRPr sz="1500" kern="1200">
+                <a:solidFill>
+                  <a:schemeClr val="tx1"/>
+                </a:solidFill>
+                <a:latin typeface="+mn-lt"/>
+                <a:ea typeface="+mn-ea"/>
+                <a:cs typeface="+mn-cs"/>
+              </a:defRPr>
+            </a:lvl7pPr>
+            <a:lvl8pPr marL="2571750" indent="-171450" algn="l" defTabSz="342900" rtl="0" eaLnBrk="1" latinLnBrk="0" hangingPunct="1">
+              <a:spcBef>
+                <a:spcPct val="20000"/>
+              </a:spcBef>
+              <a:buFont typeface="Arial"/>
+              <a:buChar char="•"/>
+              <a:defRPr sz="1500" kern="1200">
+                <a:solidFill>
+                  <a:schemeClr val="tx1"/>
+                </a:solidFill>
+                <a:latin typeface="+mn-lt"/>
+                <a:ea typeface="+mn-ea"/>
+                <a:cs typeface="+mn-cs"/>
+              </a:defRPr>
+            </a:lvl8pPr>
+            <a:lvl9pPr marL="2914650" indent="-171450" algn="l" defTabSz="342900" rtl="0" eaLnBrk="1" latinLnBrk="0" hangingPunct="1">
+              <a:spcBef>
+                <a:spcPct val="20000"/>
+              </a:spcBef>
+              <a:buFont typeface="Arial"/>
+              <a:buChar char="•"/>
+              <a:defRPr sz="1500" kern="1200">
+                <a:solidFill>
+                  <a:schemeClr val="tx1"/>
+                </a:solidFill>
+                <a:latin typeface="+mn-lt"/>
+                <a:ea typeface="+mn-ea"/>
+                <a:cs typeface="+mn-cs"/>
+              </a:defRPr>
+            </a:lvl9pPr>
+          </a:lstStyle>
+          <a:p>
+            <a:pPr marL="173736" lvl="2" indent="-173736">
+              <a:lnSpc>
+                <a:spcPct val="110000"/>
+              </a:lnSpc>
+              <a:spcBef>
+                <a:spcPts val="0"/>
+              </a:spcBef>
+              <a:spcAft>
+                <a:spcPts val="1300"/>
+              </a:spcAft>
+              <a:buClr>
+                <a:srgbClr val="2FC2D9"/>
+              </a:buClr>
+              <a:defRPr/>
+            </a:pPr>
+            <a:r>
+              <a:rPr lang="en-US" dirty="0"/>
+              <a:t>For human </a:t>
+            </a:r>
+          </a:p>
+          <a:p>
+            <a:pPr marL="173736" lvl="2" indent="-173736">
+              <a:lnSpc>
+                <a:spcPct val="110000"/>
+              </a:lnSpc>
+              <a:spcBef>
+                <a:spcPts val="0"/>
+              </a:spcBef>
+              <a:spcAft>
+                <a:spcPts val="1300"/>
+              </a:spcAft>
+              <a:buClr>
+                <a:srgbClr val="2FC2D9"/>
+              </a:buClr>
+              <a:defRPr/>
+            </a:pPr>
+            <a:endParaRPr lang="en-US" dirty="0"/>
+          </a:p>
+          <a:p>
+            <a:pPr marL="173736" lvl="2" indent="-173736">
+              <a:lnSpc>
+                <a:spcPct val="110000"/>
+              </a:lnSpc>
+              <a:spcBef>
+                <a:spcPts val="0"/>
+              </a:spcBef>
+              <a:spcAft>
+                <a:spcPts val="1300"/>
+              </a:spcAft>
+              <a:buClr>
+                <a:srgbClr val="2FC2D9"/>
+              </a:buClr>
+              <a:defRPr/>
+            </a:pPr>
+            <a:endParaRPr lang="en-US" dirty="0"/>
+          </a:p>
+          <a:p>
+            <a:pPr marL="173736" lvl="2" indent="-173736">
+              <a:lnSpc>
+                <a:spcPct val="110000"/>
+              </a:lnSpc>
+              <a:spcBef>
+                <a:spcPts val="0"/>
+              </a:spcBef>
+              <a:spcAft>
+                <a:spcPts val="1300"/>
+              </a:spcAft>
+              <a:buClr>
+                <a:srgbClr val="2FC2D9"/>
+              </a:buClr>
+              <a:defRPr/>
+            </a:pPr>
+            <a:r>
+              <a:rPr lang="en-US" dirty="0"/>
+              <a:t>For robot</a:t>
+            </a:r>
+          </a:p>
+        </p:txBody>
+      </p:sp>
+      <p:sp>
+        <p:nvSpPr>
+          <p:cNvPr id="2" name="Rectangle 1"/>
+          <p:cNvSpPr/>
+          <p:nvPr/>
+        </p:nvSpPr>
+        <p:spPr>
+          <a:xfrm>
+            <a:off x="2480427" y="2913966"/>
+            <a:ext cx="4572000" cy="523220"/>
+          </a:xfrm>
+          <a:prstGeom prst="rect">
+            <a:avLst/>
+          </a:prstGeom>
+        </p:spPr>
+        <p:txBody>
+          <a:bodyPr>
+            <a:spAutoFit/>
+          </a:bodyPr>
+          <a:lstStyle/>
+          <a:p>
+            <a:r>
+              <a:rPr lang="en-US">
+                <a:latin typeface="Segoe"/>
+              </a:rPr>
+              <a:t>“Go to the refrigerator; open the door; get a soda; bring it to me.”</a:t>
+            </a:r>
+            <a:endParaRPr lang="en-US"/>
+          </a:p>
+        </p:txBody>
+      </p:sp>
+      <p:sp>
+        <p:nvSpPr>
+          <p:cNvPr id="3" name="Rectangle 2"/>
+          <p:cNvSpPr/>
+          <p:nvPr/>
+        </p:nvSpPr>
+        <p:spPr>
+          <a:xfrm>
+            <a:off x="2480427" y="1510015"/>
+            <a:ext cx="3274999" cy="307777"/>
+          </a:xfrm>
+          <a:prstGeom prst="rect">
+            <a:avLst/>
+          </a:prstGeom>
+        </p:spPr>
+        <p:txBody>
+          <a:bodyPr wrap="none">
+            <a:spAutoFit/>
+          </a:bodyPr>
+          <a:lstStyle/>
+          <a:p>
+            <a:r>
+              <a:rPr lang="en-US">
+                <a:latin typeface="Segoe"/>
+              </a:rPr>
+              <a:t>“Bring me a soda from the refrigerator.”</a:t>
+            </a:r>
+            <a:endParaRPr lang="en-US"/>
+          </a:p>
+        </p:txBody>
+      </p:sp>
+      <p:sp>
+        <p:nvSpPr>
+          <p:cNvPr id="4" name="Rectangle 3"/>
+          <p:cNvSpPr/>
+          <p:nvPr/>
+        </p:nvSpPr>
+        <p:spPr>
+          <a:xfrm>
+            <a:off x="2480427" y="2049026"/>
+            <a:ext cx="4572000" cy="523220"/>
+          </a:xfrm>
+          <a:prstGeom prst="rect">
+            <a:avLst/>
+          </a:prstGeom>
+        </p:spPr>
+        <p:txBody>
+          <a:bodyPr>
+            <a:spAutoFit/>
+          </a:bodyPr>
+          <a:lstStyle/>
+          <a:p>
+            <a:r>
+              <a:rPr lang="en-US">
+                <a:solidFill>
+                  <a:srgbClr val="0000FF"/>
+                </a:solidFill>
+                <a:latin typeface="Consolas" panose="020B0609020204030204" pitchFamily="49" charset="0"/>
+              </a:rPr>
+              <a:t>SELECT</a:t>
+            </a:r>
+            <a:r>
+              <a:rPr lang="en-US">
+                <a:solidFill>
+                  <a:prstClr val="black"/>
+                </a:solidFill>
+                <a:latin typeface="Consolas" panose="020B0609020204030204" pitchFamily="49" charset="0"/>
+              </a:rPr>
+              <a:t> </a:t>
+            </a:r>
+            <a:r>
+              <a:rPr lang="en-US" err="1">
+                <a:solidFill>
+                  <a:prstClr val="black"/>
+                </a:solidFill>
+                <a:latin typeface="Consolas" panose="020B0609020204030204" pitchFamily="49" charset="0"/>
+              </a:rPr>
+              <a:t>shipperid</a:t>
+            </a:r>
+            <a:r>
+              <a:rPr lang="en-US">
+                <a:solidFill>
+                  <a:srgbClr val="808080"/>
+                </a:solidFill>
+                <a:latin typeface="Consolas" panose="020B0609020204030204" pitchFamily="49" charset="0"/>
+              </a:rPr>
+              <a:t>,</a:t>
+            </a:r>
+            <a:r>
+              <a:rPr lang="en-US">
+                <a:solidFill>
+                  <a:prstClr val="black"/>
+                </a:solidFill>
+                <a:latin typeface="Consolas" panose="020B0609020204030204" pitchFamily="49" charset="0"/>
+              </a:rPr>
+              <a:t> phone</a:t>
+            </a:r>
+            <a:r>
+              <a:rPr lang="en-US">
+                <a:solidFill>
+                  <a:srgbClr val="808080"/>
+                </a:solidFill>
+                <a:latin typeface="Consolas" panose="020B0609020204030204" pitchFamily="49" charset="0"/>
+              </a:rPr>
+              <a:t>,</a:t>
+            </a:r>
+            <a:r>
+              <a:rPr lang="en-US">
+                <a:solidFill>
+                  <a:prstClr val="black"/>
+                </a:solidFill>
+                <a:latin typeface="Consolas" panose="020B0609020204030204" pitchFamily="49" charset="0"/>
+              </a:rPr>
+              <a:t> </a:t>
+            </a:r>
+            <a:r>
+              <a:rPr lang="en-US" err="1">
+                <a:solidFill>
+                  <a:prstClr val="black"/>
+                </a:solidFill>
+                <a:latin typeface="Consolas" panose="020B0609020204030204" pitchFamily="49" charset="0"/>
+              </a:rPr>
+              <a:t>companyname</a:t>
+            </a:r>
+            <a:endParaRPr lang="en-US">
+              <a:solidFill>
+                <a:prstClr val="black"/>
+              </a:solidFill>
+              <a:latin typeface="Consolas" panose="020B0609020204030204" pitchFamily="49" charset="0"/>
+            </a:endParaRPr>
+          </a:p>
+          <a:p>
+            <a:r>
+              <a:rPr lang="en-US">
+                <a:solidFill>
+                  <a:srgbClr val="0000FF"/>
+                </a:solidFill>
+                <a:latin typeface="Consolas" panose="020B0609020204030204" pitchFamily="49" charset="0"/>
+              </a:rPr>
+              <a:t>FROM</a:t>
+            </a:r>
+            <a:r>
+              <a:rPr lang="en-US">
+                <a:solidFill>
+                  <a:prstClr val="black"/>
+                </a:solidFill>
+                <a:latin typeface="Consolas" panose="020B0609020204030204" pitchFamily="49" charset="0"/>
+              </a:rPr>
+              <a:t> </a:t>
+            </a:r>
+            <a:r>
+              <a:rPr lang="en-US" err="1">
+                <a:solidFill>
+                  <a:prstClr val="black"/>
+                </a:solidFill>
+                <a:latin typeface="Consolas" panose="020B0609020204030204" pitchFamily="49" charset="0"/>
+              </a:rPr>
+              <a:t>Sales</a:t>
+            </a:r>
+            <a:r>
+              <a:rPr lang="en-US" err="1">
+                <a:solidFill>
+                  <a:srgbClr val="808080"/>
+                </a:solidFill>
+                <a:latin typeface="Consolas" panose="020B0609020204030204" pitchFamily="49" charset="0"/>
+              </a:rPr>
+              <a:t>.</a:t>
+            </a:r>
+            <a:r>
+              <a:rPr lang="en-US" err="1">
+                <a:solidFill>
+                  <a:prstClr val="black"/>
+                </a:solidFill>
+                <a:latin typeface="Consolas" panose="020B0609020204030204" pitchFamily="49" charset="0"/>
+              </a:rPr>
+              <a:t>Shippers</a:t>
+            </a:r>
+            <a:r>
+              <a:rPr lang="en-US">
+                <a:solidFill>
+                  <a:srgbClr val="808080"/>
+                </a:solidFill>
+                <a:latin typeface="Consolas" panose="020B0609020204030204" pitchFamily="49" charset="0"/>
+              </a:rPr>
+              <a:t>;</a:t>
+            </a:r>
+          </a:p>
+        </p:txBody>
+      </p:sp>
+      <p:sp>
+        <p:nvSpPr>
+          <p:cNvPr id="9" name="Rectangle 8"/>
+          <p:cNvSpPr/>
+          <p:nvPr/>
+        </p:nvSpPr>
+        <p:spPr>
+          <a:xfrm>
+            <a:off x="2480427" y="3496056"/>
+            <a:ext cx="4572000" cy="738664"/>
+          </a:xfrm>
+          <a:prstGeom prst="rect">
+            <a:avLst/>
+          </a:prstGeom>
+        </p:spPr>
+        <p:txBody>
+          <a:bodyPr>
+            <a:spAutoFit/>
+          </a:bodyPr>
+          <a:lstStyle/>
+          <a:p>
+            <a:r>
+              <a:rPr lang="en-US">
+                <a:solidFill>
+                  <a:srgbClr val="0000FF"/>
+                </a:solidFill>
+                <a:latin typeface="Consolas" panose="020B0609020204030204" pitchFamily="49" charset="0"/>
+              </a:rPr>
+              <a:t>FROM</a:t>
+            </a:r>
+            <a:r>
+              <a:rPr lang="en-US">
+                <a:solidFill>
+                  <a:prstClr val="black"/>
+                </a:solidFill>
+                <a:latin typeface="Consolas" panose="020B0609020204030204" pitchFamily="49" charset="0"/>
+              </a:rPr>
+              <a:t> </a:t>
+            </a:r>
+            <a:r>
+              <a:rPr lang="en-US" err="1">
+                <a:solidFill>
+                  <a:prstClr val="black"/>
+                </a:solidFill>
+                <a:latin typeface="Consolas" panose="020B0609020204030204" pitchFamily="49" charset="0"/>
+              </a:rPr>
+              <a:t>Sales</a:t>
+            </a:r>
+            <a:r>
+              <a:rPr lang="en-US" err="1">
+                <a:solidFill>
+                  <a:srgbClr val="808080"/>
+                </a:solidFill>
+                <a:latin typeface="Consolas" panose="020B0609020204030204" pitchFamily="49" charset="0"/>
+              </a:rPr>
+              <a:t>.</a:t>
+            </a:r>
+            <a:r>
+              <a:rPr lang="en-US" err="1">
+                <a:solidFill>
+                  <a:prstClr val="black"/>
+                </a:solidFill>
+                <a:latin typeface="Consolas" panose="020B0609020204030204" pitchFamily="49" charset="0"/>
+              </a:rPr>
+              <a:t>Shippers</a:t>
+            </a:r>
+            <a:endParaRPr lang="en-US">
+              <a:solidFill>
+                <a:srgbClr val="808080"/>
+              </a:solidFill>
+              <a:latin typeface="Consolas" panose="020B0609020204030204" pitchFamily="49" charset="0"/>
+            </a:endParaRPr>
+          </a:p>
+          <a:p>
+            <a:r>
+              <a:rPr lang="en-US">
+                <a:solidFill>
+                  <a:srgbClr val="0000FF"/>
+                </a:solidFill>
+                <a:latin typeface="Consolas" panose="020B0609020204030204" pitchFamily="49" charset="0"/>
+              </a:rPr>
+              <a:t>SELECT</a:t>
+            </a:r>
+            <a:r>
+              <a:rPr lang="en-US">
+                <a:solidFill>
+                  <a:prstClr val="black"/>
+                </a:solidFill>
+                <a:latin typeface="Consolas" panose="020B0609020204030204" pitchFamily="49" charset="0"/>
+              </a:rPr>
+              <a:t> </a:t>
+            </a:r>
+            <a:r>
+              <a:rPr lang="en-US" err="1">
+                <a:solidFill>
+                  <a:prstClr val="black"/>
+                </a:solidFill>
+                <a:latin typeface="Consolas" panose="020B0609020204030204" pitchFamily="49" charset="0"/>
+              </a:rPr>
+              <a:t>shipperid</a:t>
+            </a:r>
+            <a:r>
+              <a:rPr lang="en-US">
+                <a:solidFill>
+                  <a:srgbClr val="808080"/>
+                </a:solidFill>
+                <a:latin typeface="Consolas" panose="020B0609020204030204" pitchFamily="49" charset="0"/>
+              </a:rPr>
+              <a:t>,</a:t>
+            </a:r>
+            <a:r>
+              <a:rPr lang="en-US">
+                <a:solidFill>
+                  <a:prstClr val="black"/>
+                </a:solidFill>
+                <a:latin typeface="Consolas" panose="020B0609020204030204" pitchFamily="49" charset="0"/>
+              </a:rPr>
+              <a:t> phone</a:t>
+            </a:r>
+            <a:r>
+              <a:rPr lang="en-US">
+                <a:solidFill>
+                  <a:srgbClr val="808080"/>
+                </a:solidFill>
+                <a:latin typeface="Consolas" panose="020B0609020204030204" pitchFamily="49" charset="0"/>
+              </a:rPr>
+              <a:t>,</a:t>
+            </a:r>
+            <a:r>
+              <a:rPr lang="en-US">
+                <a:solidFill>
+                  <a:prstClr val="black"/>
+                </a:solidFill>
+                <a:latin typeface="Consolas" panose="020B0609020204030204" pitchFamily="49" charset="0"/>
+              </a:rPr>
+              <a:t> </a:t>
+            </a:r>
+            <a:r>
+              <a:rPr lang="en-US" err="1">
+                <a:solidFill>
+                  <a:prstClr val="black"/>
+                </a:solidFill>
+                <a:latin typeface="Consolas" panose="020B0609020204030204" pitchFamily="49" charset="0"/>
+              </a:rPr>
+              <a:t>companyname</a:t>
+            </a:r>
+            <a:r>
+              <a:rPr lang="en-US">
+                <a:solidFill>
+                  <a:prstClr val="black"/>
+                </a:solidFill>
+                <a:latin typeface="Consolas" panose="020B0609020204030204" pitchFamily="49" charset="0"/>
+              </a:rPr>
+              <a:t>;</a:t>
+            </a:r>
+          </a:p>
+          <a:p>
+            <a:endParaRPr lang="en-US">
+              <a:solidFill>
+                <a:srgbClr val="808080"/>
+              </a:solidFill>
+              <a:latin typeface="Consolas" panose="020B0609020204030204" pitchFamily="49" charset="0"/>
+            </a:endParaRPr>
+          </a:p>
+        </p:txBody>
+      </p:sp>
+      <p:sp>
+        <p:nvSpPr>
+          <p:cNvPr id="5" name="Left-Right Arrow 4"/>
+          <p:cNvSpPr/>
+          <p:nvPr/>
+        </p:nvSpPr>
+        <p:spPr>
+          <a:xfrm rot="5400000">
+            <a:off x="2038725" y="3541146"/>
+            <a:ext cx="514071" cy="369332"/>
+          </a:xfrm>
+          <a:prstGeom prst="leftRightArrow">
+            <a:avLst/>
+          </a:prstGeom>
+          <a:solidFill>
+            <a:schemeClr val="bg1">
+              <a:lumMod val="85000"/>
+            </a:schemeClr>
+          </a:solidFill>
+        </p:spPr>
+        <p:style>
+          <a:lnRef idx="1">
+            <a:schemeClr val="accent1"/>
+          </a:lnRef>
+          <a:fillRef idx="3">
+            <a:schemeClr val="accent1"/>
+          </a:fillRef>
+          <a:effectRef idx="2">
+            <a:schemeClr val="accent1"/>
+          </a:effectRef>
+          <a:fontRef idx="minor">
+            <a:schemeClr val="lt1"/>
+          </a:fontRef>
+        </p:style>
+        <p:txBody>
+          <a:bodyPr rtlCol="0" anchor="ctr"/>
+          <a:lstStyle/>
+          <a:p>
+            <a:pPr algn="ctr"/>
+            <a:endParaRPr lang="en-US"/>
+          </a:p>
+        </p:txBody>
+      </p:sp>
+      <p:sp>
+        <p:nvSpPr>
+          <p:cNvPr id="11" name="Title 10">
+            <a:extLst>
+              <a:ext uri="{FF2B5EF4-FFF2-40B4-BE49-F238E27FC236}">
+                <a16:creationId xmlns:a16="http://schemas.microsoft.com/office/drawing/2014/main" id="{250B5A76-ACFA-447A-A4D6-432CD1229E58}"/>
+              </a:ext>
+            </a:extLst>
+          </p:cNvPr>
+          <p:cNvSpPr>
+            <a:spLocks noGrp="1"/>
+          </p:cNvSpPr>
+          <p:nvPr>
+            <p:ph type="title"/>
+          </p:nvPr>
+        </p:nvSpPr>
+        <p:spPr/>
+        <p:txBody>
+          <a:bodyPr/>
+          <a:lstStyle/>
+          <a:p>
+            <a:r>
+              <a:rPr lang="en-US" dirty="0"/>
+              <a:t>Foundations of T-SQL</a:t>
+            </a:r>
+          </a:p>
+        </p:txBody>
+      </p:sp>
+      <p:sp>
+        <p:nvSpPr>
+          <p:cNvPr id="14" name="Text Placeholder 13">
+            <a:extLst>
+              <a:ext uri="{FF2B5EF4-FFF2-40B4-BE49-F238E27FC236}">
+                <a16:creationId xmlns:a16="http://schemas.microsoft.com/office/drawing/2014/main" id="{DAAE229E-020D-4630-912A-8F324D27D9E8}"/>
+              </a:ext>
+            </a:extLst>
+          </p:cNvPr>
+          <p:cNvSpPr>
+            <a:spLocks noGrp="1"/>
+          </p:cNvSpPr>
+          <p:nvPr>
+            <p:ph type="body" sz="quarter" idx="11"/>
+          </p:nvPr>
+        </p:nvSpPr>
+        <p:spPr/>
+        <p:txBody>
+          <a:bodyPr/>
+          <a:lstStyle/>
+          <a:p>
+            <a:r>
+              <a:rPr lang="en-US" b="1" dirty="0"/>
+              <a:t>T-SQL As a Declarative English-Like Language</a:t>
+            </a:r>
+            <a:endParaRPr lang="en-US" dirty="0"/>
+          </a:p>
+        </p:txBody>
+      </p:sp>
+      <p:sp>
+        <p:nvSpPr>
+          <p:cNvPr id="6" name="Slide Number Placeholder 5">
+            <a:extLst>
+              <a:ext uri="{FF2B5EF4-FFF2-40B4-BE49-F238E27FC236}">
+                <a16:creationId xmlns:a16="http://schemas.microsoft.com/office/drawing/2014/main" id="{2A0A619D-94CC-4E18-9E8E-B2E616AA4C56}"/>
+              </a:ext>
+            </a:extLst>
+          </p:cNvPr>
+          <p:cNvSpPr>
+            <a:spLocks noGrp="1"/>
+          </p:cNvSpPr>
+          <p:nvPr>
+            <p:ph type="sldNum" sz="quarter" idx="4"/>
+          </p:nvPr>
+        </p:nvSpPr>
+        <p:spPr/>
+        <p:txBody>
+          <a:bodyPr/>
+          <a:lstStyle/>
+          <a:p>
+            <a:pPr marL="0" marR="0" lvl="0" indent="0" algn="r" defTabSz="342900" rtl="0" eaLnBrk="1" fontAlgn="auto" latinLnBrk="0" hangingPunct="1">
+              <a:lnSpc>
+                <a:spcPct val="100000"/>
+              </a:lnSpc>
+              <a:spcBef>
+                <a:spcPts val="0"/>
+              </a:spcBef>
+              <a:spcAft>
+                <a:spcPts val="0"/>
+              </a:spcAft>
+              <a:buClrTx/>
+              <a:buSzTx/>
+              <a:buFontTx/>
+              <a:buNone/>
+              <a:tabLst/>
+              <a:defRPr/>
+            </a:pPr>
+            <a:fld id="{3A707DD9-E92B-45E8-BE0A-E6B2EDF345EB}" type="slidenum">
+              <a:rPr kumimoji="0" lang="en-US" sz="800" b="1" i="0" u="none" strike="noStrike" kern="1200" cap="none" spc="0" normalizeH="0" baseline="0" noProof="0" smtClean="0">
+                <a:ln>
+                  <a:noFill/>
+                </a:ln>
+                <a:solidFill>
+                  <a:srgbClr val="FEFEFE"/>
+                </a:solidFill>
+                <a:effectLst/>
+                <a:uLnTx/>
+                <a:uFillTx/>
+                <a:latin typeface="Calibri Light"/>
+                <a:ea typeface="+mn-ea"/>
+                <a:cs typeface="+mn-cs"/>
+              </a:rPr>
+              <a:pPr marL="0" marR="0" lvl="0" indent="0" algn="r" defTabSz="342900" rtl="0" eaLnBrk="1" fontAlgn="auto" latinLnBrk="0" hangingPunct="1">
+                <a:lnSpc>
+                  <a:spcPct val="100000"/>
+                </a:lnSpc>
+                <a:spcBef>
+                  <a:spcPts val="0"/>
+                </a:spcBef>
+                <a:spcAft>
+                  <a:spcPts val="0"/>
+                </a:spcAft>
+                <a:buClrTx/>
+                <a:buSzTx/>
+                <a:buFontTx/>
+                <a:buNone/>
+                <a:tabLst/>
+                <a:defRPr/>
+              </a:pPr>
               <a:t>9</a:t>
             </a:fld>
             <a:endParaRPr kumimoji="0" lang="en-US" sz="800" b="1" i="0" u="none" strike="noStrike" kern="1200" cap="none" spc="0" normalizeH="0" baseline="0" noProof="0" dirty="0">
@@ -37828,7 +37445,7 @@
     </p:spTree>
     <p:extLst>
       <p:ext uri="{BB962C8B-B14F-4D97-AF65-F5344CB8AC3E}">
-        <p14:creationId xmlns:p14="http://schemas.microsoft.com/office/powerpoint/2010/main" val="3240555118"/>
+        <p14:creationId xmlns:p14="http://schemas.microsoft.com/office/powerpoint/2010/main" val="600514039"/>
       </p:ext>
     </p:extLst>
   </p:cSld>
@@ -39082,15 +38699,6 @@
 </file>
 
 <file path=customXml/item1.xml><?xml version="1.0" encoding="utf-8"?>
-<?mso-contentType ?>
-<FormTemplates xmlns="http://schemas.microsoft.com/sharepoint/v3/contenttype/forms">
-  <Display>DocumentLibraryForm</Display>
-  <Edit>DocumentLibraryForm</Edit>
-  <New>DocumentLibraryForm</New>
-</FormTemplates>
-</file>
-
-<file path=customXml/item2.xml><?xml version="1.0" encoding="utf-8"?>
 <ct:contentTypeSchema xmlns:ct="http://schemas.microsoft.com/office/2006/metadata/contentType" xmlns:ma="http://schemas.microsoft.com/office/2006/metadata/properties/metaAttributes" ct:_="" ma:_="" ma:contentTypeName="Document" ma:contentTypeID="0x0101009B22848A6E75B0409A42E310CF3F8F4E" ma:contentTypeVersion="4" ma:contentTypeDescription="Create a new document." ma:contentTypeScope="" ma:versionID="1f74bb98edc28091374bbc6334961465">
   <xsd:schema xmlns:xsd="http://www.w3.org/2001/XMLSchema" xmlns:xs="http://www.w3.org/2001/XMLSchema" xmlns:p="http://schemas.microsoft.com/office/2006/metadata/properties" xmlns:ns2="609121fb-01d0-49fe-b3fd-9a3e3a0646a9" xmlns:ns3="c8fb4810-c3cf-44db-bdf0-77d94482a97a" targetNamespace="http://schemas.microsoft.com/office/2006/metadata/properties" ma:root="true" ma:fieldsID="a6f6063613ae5a1e9406fd437b4bafa6" ns2:_="" ns3:_="">
     <xsd:import namespace="609121fb-01d0-49fe-b3fd-9a3e3a0646a9"/>
@@ -39255,6 +38863,15 @@
 </ct:contentTypeSchema>
 </file>
 
+<file path=customXml/item2.xml><?xml version="1.0" encoding="utf-8"?>
+<?mso-contentType ?>
+<FormTemplates xmlns="http://schemas.microsoft.com/sharepoint/v3/contenttype/forms">
+  <Display>DocumentLibraryForm</Display>
+  <Edit>DocumentLibraryForm</Edit>
+  <New>DocumentLibraryForm</New>
+</FormTemplates>
+</file>
+
 <file path=customXml/item3.xml><?xml version="1.0" encoding="utf-8"?>
 <p:properties xmlns:p="http://schemas.microsoft.com/office/2006/metadata/properties" xmlns:xsi="http://www.w3.org/2001/XMLSchema-instance" xmlns:pc="http://schemas.microsoft.com/office/infopath/2007/PartnerControls">
   <documentManagement>
@@ -39365,14 +38982,6 @@
 </file>
 
 <file path=customXml/itemProps1.xml><?xml version="1.0" encoding="utf-8"?>
-<ds:datastoreItem xmlns:ds="http://schemas.openxmlformats.org/officeDocument/2006/customXml" ds:itemID="{14883F0F-DE57-4ECA-B9BB-F22E8C5B5D82}">
-  <ds:schemaRefs>
-    <ds:schemaRef ds:uri="http://schemas.microsoft.com/sharepoint/v3/contenttype/forms"/>
-  </ds:schemaRefs>
-</ds:datastoreItem>
-</file>
-
-<file path=customXml/itemProps2.xml><?xml version="1.0" encoding="utf-8"?>
 <ds:datastoreItem xmlns:ds="http://schemas.openxmlformats.org/officeDocument/2006/customXml" ds:itemID="{89FDD6AF-F862-42A0-AAC6-0480CB0D4076}">
   <ds:schemaRefs>
     <ds:schemaRef ds:uri="609121fb-01d0-49fe-b3fd-9a3e3a0646a9"/>
@@ -39387,6 +38996,14 @@
     <ds:schemaRef ds:uri="http://schemas.microsoft.com/office/infopath/2007/PartnerControls"/>
     <ds:schemaRef ds:uri="http://schemas.openxmlformats.org/package/2006/metadata/core-properties"/>
     <ds:schemaRef ds:uri="http://www.w3.org/2001/XMLSchema"/>
+  </ds:schemaRefs>
+</ds:datastoreItem>
+</file>
+
+<file path=customXml/itemProps2.xml><?xml version="1.0" encoding="utf-8"?>
+<ds:datastoreItem xmlns:ds="http://schemas.openxmlformats.org/officeDocument/2006/customXml" ds:itemID="{14883F0F-DE57-4ECA-B9BB-F22E8C5B5D82}">
+  <ds:schemaRefs>
+    <ds:schemaRef ds:uri="http://schemas.microsoft.com/sharepoint/v3/contenttype/forms"/>
   </ds:schemaRefs>
 </ds:datastoreItem>
 </file>
